--- a/DiDiBulay.pptx
+++ b/DiDiBulay.pptx
@@ -5271,6 +5271,13 @@
   <p:clrMapOvr>
     <a:masterClrMapping/>
   </p:clrMapOvr>
+  <p:timing>
+    <p:tnLst>
+      <p:par>
+        <p:cTn id="1" dur="indefinite" restart="never" nodeType="tmRoot"/>
+      </p:par>
+    </p:tnLst>
+  </p:timing>
 </p:sld>
 </file>
 
@@ -5293,872 +5300,6 @@
       </p:grpSpPr>
       <p:graphicFrame>
         <p:nvGraphicFramePr>
-          <p:cNvPr id="10" name="內容版面配置區 22"/>
-          <p:cNvGraphicFramePr>
-            <a:graphicFrameLocks noGrp="1"/>
-          </p:cNvGraphicFramePr>
-          <p:nvPr>
-            <p:ph idx="1"/>
-            <p:extLst>
-              <p:ext uri="{D42A27DB-BD31-4B8C-83A1-F6EECF244321}">
-                <p14:modId xmlns:p14="http://schemas.microsoft.com/office/powerpoint/2010/main" val="472707763"/>
-              </p:ext>
-            </p:extLst>
-          </p:nvPr>
-        </p:nvGraphicFramePr>
-        <p:xfrm>
-          <a:off x="4212386" y="352369"/>
-          <a:ext cx="4753050" cy="6162731"/>
-        </p:xfrm>
-        <a:graphic>
-          <a:graphicData uri="http://schemas.openxmlformats.org/drawingml/2006/table">
-            <a:tbl>
-              <a:tblPr firstRow="1" bandRow="1">
-                <a:tableStyleId>{5C22544A-7EE6-4342-B048-85BDC9FD1C3A}</a:tableStyleId>
-              </a:tblPr>
-              <a:tblGrid>
-                <a:gridCol w="2376525"/>
-                <a:gridCol w="2376525"/>
-              </a:tblGrid>
-              <a:tr h="386410">
-                <a:tc gridSpan="2">
-                  <a:txBody>
-                    <a:bodyPr/>
-                    <a:lstStyle/>
-                    <a:p>
-                      <a:endParaRPr lang="zh-TW" altLang="en-US" dirty="0">
-                        <a:latin typeface="微軟正黑體" panose="020B0604030504040204" pitchFamily="34" charset="-120"/>
-                        <a:ea typeface="微軟正黑體" panose="020B0604030504040204" pitchFamily="34" charset="-120"/>
-                      </a:endParaRPr>
-                    </a:p>
-                  </a:txBody>
-                  <a:tcPr>
-                    <a:lnL w="12700" cap="flat" cmpd="sng" algn="ctr">
-                      <a:solidFill>
-                        <a:schemeClr val="tx1"/>
-                      </a:solidFill>
-                      <a:prstDash val="solid"/>
-                      <a:round/>
-                      <a:headEnd type="none" w="med" len="med"/>
-                      <a:tailEnd type="none" w="med" len="med"/>
-                    </a:lnL>
-                    <a:lnR w="12700" cap="flat" cmpd="sng" algn="ctr">
-                      <a:solidFill>
-                        <a:schemeClr val="tx1"/>
-                      </a:solidFill>
-                      <a:prstDash val="solid"/>
-                      <a:round/>
-                      <a:headEnd type="none" w="med" len="med"/>
-                      <a:tailEnd type="none" w="med" len="med"/>
-                    </a:lnR>
-                    <a:lnT w="12700" cap="flat" cmpd="sng" algn="ctr">
-                      <a:solidFill>
-                        <a:schemeClr val="tx1"/>
-                      </a:solidFill>
-                      <a:prstDash val="solid"/>
-                      <a:round/>
-                      <a:headEnd type="none" w="med" len="med"/>
-                      <a:tailEnd type="none" w="med" len="med"/>
-                    </a:lnT>
-                    <a:lnB w="12700" cap="flat" cmpd="sng" algn="ctr">
-                      <a:solidFill>
-                        <a:schemeClr val="tx1"/>
-                      </a:solidFill>
-                      <a:prstDash val="solid"/>
-                      <a:round/>
-                      <a:headEnd type="none" w="med" len="med"/>
-                      <a:tailEnd type="none" w="med" len="med"/>
-                    </a:lnB>
-                    <a:solidFill>
-                      <a:schemeClr val="bg1"/>
-                    </a:solidFill>
-                  </a:tcPr>
-                </a:tc>
-                <a:tc hMerge="1">
-                  <a:txBody>
-                    <a:bodyPr/>
-                    <a:lstStyle/>
-                    <a:p>
-                      <a:endParaRPr lang="zh-TW" altLang="en-US"/>
-                    </a:p>
-                  </a:txBody>
-                  <a:tcPr/>
-                </a:tc>
-              </a:tr>
-              <a:tr h="386410">
-                <a:tc gridSpan="2">
-                  <a:txBody>
-                    <a:bodyPr/>
-                    <a:lstStyle/>
-                    <a:p>
-                      <a:r>
-                        <a:rPr lang="zh-TW" altLang="en-US" sz="1600" dirty="0" smtClean="0">
-                          <a:solidFill>
-                            <a:schemeClr val="tx1"/>
-                          </a:solidFill>
-                          <a:latin typeface="微軟正黑體" panose="020B0604030504040204" pitchFamily="34" charset="-120"/>
-                          <a:ea typeface="微軟正黑體" panose="020B0604030504040204" pitchFamily="34" charset="-120"/>
-                        </a:rPr>
-                        <a:t>看電影小小兵</a:t>
-                      </a:r>
-                      <a:endParaRPr lang="zh-TW" altLang="en-US" sz="1600" dirty="0">
-                        <a:latin typeface="微軟正黑體" panose="020B0604030504040204" pitchFamily="34" charset="-120"/>
-                        <a:ea typeface="微軟正黑體" panose="020B0604030504040204" pitchFamily="34" charset="-120"/>
-                      </a:endParaRPr>
-                    </a:p>
-                  </a:txBody>
-                  <a:tcPr>
-                    <a:lnL w="12700" cap="flat" cmpd="sng" algn="ctr">
-                      <a:solidFill>
-                        <a:schemeClr val="tx1"/>
-                      </a:solidFill>
-                      <a:prstDash val="solid"/>
-                      <a:round/>
-                      <a:headEnd type="none" w="med" len="med"/>
-                      <a:tailEnd type="none" w="med" len="med"/>
-                    </a:lnL>
-                    <a:lnR w="12700" cap="flat" cmpd="sng" algn="ctr">
-                      <a:solidFill>
-                        <a:schemeClr val="tx1"/>
-                      </a:solidFill>
-                      <a:prstDash val="solid"/>
-                      <a:round/>
-                      <a:headEnd type="none" w="med" len="med"/>
-                      <a:tailEnd type="none" w="med" len="med"/>
-                    </a:lnR>
-                    <a:lnT w="12700" cap="flat" cmpd="sng" algn="ctr">
-                      <a:solidFill>
-                        <a:schemeClr val="tx1"/>
-                      </a:solidFill>
-                      <a:prstDash val="solid"/>
-                      <a:round/>
-                      <a:headEnd type="none" w="med" len="med"/>
-                      <a:tailEnd type="none" w="med" len="med"/>
-                    </a:lnT>
-                    <a:lnB w="12700" cap="flat" cmpd="sng" algn="ctr">
-                      <a:solidFill>
-                        <a:schemeClr val="tx1"/>
-                      </a:solidFill>
-                      <a:prstDash val="solid"/>
-                      <a:round/>
-                      <a:headEnd type="none" w="med" len="med"/>
-                      <a:tailEnd type="none" w="med" len="med"/>
-                    </a:lnB>
-                    <a:solidFill>
-                      <a:schemeClr val="bg1"/>
-                    </a:solidFill>
-                  </a:tcPr>
-                </a:tc>
-                <a:tc hMerge="1">
-                  <a:txBody>
-                    <a:bodyPr/>
-                    <a:lstStyle/>
-                    <a:p>
-                      <a:endParaRPr lang="zh-TW" altLang="en-US"/>
-                    </a:p>
-                  </a:txBody>
-                  <a:tcPr/>
-                </a:tc>
-              </a:tr>
-              <a:tr h="386410">
-                <a:tc>
-                  <a:txBody>
-                    <a:bodyPr/>
-                    <a:lstStyle/>
-                    <a:p>
-                      <a:pPr marL="0" marR="0" indent="0" algn="l" defTabSz="914400" rtl="0" eaLnBrk="1" fontAlgn="auto" latinLnBrk="0" hangingPunct="1">
-                        <a:lnSpc>
-                          <a:spcPct val="100000"/>
-                        </a:lnSpc>
-                        <a:spcBef>
-                          <a:spcPts val="0"/>
-                        </a:spcBef>
-                        <a:spcAft>
-                          <a:spcPts val="0"/>
-                        </a:spcAft>
-                        <a:buClrTx/>
-                        <a:buSzTx/>
-                        <a:buFontTx/>
-                        <a:buNone/>
-                        <a:tabLst/>
-                        <a:defRPr/>
-                      </a:pPr>
-                      <a:r>
-                        <a:rPr lang="zh-TW" altLang="en-US" sz="1600" dirty="0" smtClean="0">
-                          <a:latin typeface="微軟正黑體" panose="020B0604030504040204" pitchFamily="34" charset="-120"/>
-                          <a:ea typeface="微軟正黑體" panose="020B0604030504040204" pitchFamily="34" charset="-120"/>
-                        </a:rPr>
-                        <a:t>時間 </a:t>
-                      </a:r>
-                      <a:r>
-                        <a:rPr lang="en-US" altLang="zh-TW" sz="1600" dirty="0" smtClean="0">
-                          <a:latin typeface="微軟正黑體" panose="020B0604030504040204" pitchFamily="34" charset="-120"/>
-                          <a:ea typeface="微軟正黑體" panose="020B0604030504040204" pitchFamily="34" charset="-120"/>
-                        </a:rPr>
-                        <a:t>: 17:00~19:25</a:t>
-                      </a:r>
-                      <a:endParaRPr lang="zh-TW" altLang="en-US" sz="1600" dirty="0" smtClean="0">
-                        <a:latin typeface="微軟正黑體" panose="020B0604030504040204" pitchFamily="34" charset="-120"/>
-                        <a:ea typeface="微軟正黑體" panose="020B0604030504040204" pitchFamily="34" charset="-120"/>
-                      </a:endParaRPr>
-                    </a:p>
-                  </a:txBody>
-                  <a:tcPr>
-                    <a:lnL w="12700" cap="flat" cmpd="sng" algn="ctr">
-                      <a:solidFill>
-                        <a:schemeClr val="tx1"/>
-                      </a:solidFill>
-                      <a:prstDash val="solid"/>
-                      <a:round/>
-                      <a:headEnd type="none" w="med" len="med"/>
-                      <a:tailEnd type="none" w="med" len="med"/>
-                    </a:lnL>
-                    <a:lnR w="12700" cap="flat" cmpd="sng" algn="ctr">
-                      <a:solidFill>
-                        <a:schemeClr val="tx1"/>
-                      </a:solidFill>
-                      <a:prstDash val="solid"/>
-                      <a:round/>
-                      <a:headEnd type="none" w="med" len="med"/>
-                      <a:tailEnd type="none" w="med" len="med"/>
-                    </a:lnR>
-                    <a:lnT w="12700" cap="flat" cmpd="sng" algn="ctr">
-                      <a:solidFill>
-                        <a:schemeClr val="tx1"/>
-                      </a:solidFill>
-                      <a:prstDash val="solid"/>
-                      <a:round/>
-                      <a:headEnd type="none" w="med" len="med"/>
-                      <a:tailEnd type="none" w="med" len="med"/>
-                    </a:lnT>
-                    <a:lnB w="12700" cap="flat" cmpd="sng" algn="ctr">
-                      <a:solidFill>
-                        <a:schemeClr val="tx1"/>
-                      </a:solidFill>
-                      <a:prstDash val="solid"/>
-                      <a:round/>
-                      <a:headEnd type="none" w="med" len="med"/>
-                      <a:tailEnd type="none" w="med" len="med"/>
-                    </a:lnB>
-                    <a:solidFill>
-                      <a:schemeClr val="bg1"/>
-                    </a:solidFill>
-                  </a:tcPr>
-                </a:tc>
-                <a:tc>
-                  <a:txBody>
-                    <a:bodyPr/>
-                    <a:lstStyle/>
-                    <a:p>
-                      <a:r>
-                        <a:rPr lang="zh-TW" altLang="en-US" sz="1600" dirty="0" smtClean="0">
-                          <a:latin typeface="微軟正黑體" panose="020B0604030504040204" pitchFamily="34" charset="-120"/>
-                          <a:ea typeface="微軟正黑體" panose="020B0604030504040204" pitchFamily="34" charset="-120"/>
-                        </a:rPr>
-                        <a:t>地點 </a:t>
-                      </a:r>
-                      <a:r>
-                        <a:rPr lang="en-US" altLang="zh-TW" sz="1600" dirty="0" smtClean="0">
-                          <a:latin typeface="微軟正黑體" panose="020B0604030504040204" pitchFamily="34" charset="-120"/>
-                          <a:ea typeface="微軟正黑體" panose="020B0604030504040204" pitchFamily="34" charset="-120"/>
-                        </a:rPr>
-                        <a:t>: X</a:t>
-                      </a:r>
-                      <a:r>
-                        <a:rPr lang="zh-TW" altLang="en-US" sz="1600" dirty="0" smtClean="0">
-                          <a:latin typeface="微軟正黑體" panose="020B0604030504040204" pitchFamily="34" charset="-120"/>
-                          <a:ea typeface="微軟正黑體" panose="020B0604030504040204" pitchFamily="34" charset="-120"/>
-                        </a:rPr>
-                        <a:t>影城</a:t>
-                      </a:r>
-                      <a:r>
-                        <a:rPr lang="en-US" altLang="zh-TW" sz="1600" dirty="0" smtClean="0">
-                          <a:latin typeface="微軟正黑體" panose="020B0604030504040204" pitchFamily="34" charset="-120"/>
-                          <a:ea typeface="微軟正黑體" panose="020B0604030504040204" pitchFamily="34" charset="-120"/>
-                        </a:rPr>
-                        <a:t>(Map</a:t>
-                      </a:r>
-                      <a:r>
-                        <a:rPr lang="zh-TW" altLang="en-US" sz="1600" dirty="0" smtClean="0">
-                          <a:latin typeface="微軟正黑體" panose="020B0604030504040204" pitchFamily="34" charset="-120"/>
-                          <a:ea typeface="微軟正黑體" panose="020B0604030504040204" pitchFamily="34" charset="-120"/>
-                        </a:rPr>
-                        <a:t>地址</a:t>
-                      </a:r>
-                      <a:r>
-                        <a:rPr lang="en-US" altLang="zh-TW" sz="1600" dirty="0" smtClean="0">
-                          <a:latin typeface="微軟正黑體" panose="020B0604030504040204" pitchFamily="34" charset="-120"/>
-                          <a:ea typeface="微軟正黑體" panose="020B0604030504040204" pitchFamily="34" charset="-120"/>
-                        </a:rPr>
-                        <a:t>)</a:t>
-                      </a:r>
-                      <a:endParaRPr lang="zh-TW" altLang="en-US" sz="1600" dirty="0">
-                        <a:latin typeface="微軟正黑體" panose="020B0604030504040204" pitchFamily="34" charset="-120"/>
-                        <a:ea typeface="微軟正黑體" panose="020B0604030504040204" pitchFamily="34" charset="-120"/>
-                      </a:endParaRPr>
-                    </a:p>
-                  </a:txBody>
-                  <a:tcPr>
-                    <a:lnL w="12700" cap="flat" cmpd="sng" algn="ctr">
-                      <a:solidFill>
-                        <a:schemeClr val="tx1"/>
-                      </a:solidFill>
-                      <a:prstDash val="solid"/>
-                      <a:round/>
-                      <a:headEnd type="none" w="med" len="med"/>
-                      <a:tailEnd type="none" w="med" len="med"/>
-                    </a:lnL>
-                    <a:lnR w="12700" cap="flat" cmpd="sng" algn="ctr">
-                      <a:solidFill>
-                        <a:schemeClr val="tx1"/>
-                      </a:solidFill>
-                      <a:prstDash val="solid"/>
-                      <a:round/>
-                      <a:headEnd type="none" w="med" len="med"/>
-                      <a:tailEnd type="none" w="med" len="med"/>
-                    </a:lnR>
-                    <a:lnT w="12700" cap="flat" cmpd="sng" algn="ctr">
-                      <a:solidFill>
-                        <a:schemeClr val="tx1"/>
-                      </a:solidFill>
-                      <a:prstDash val="solid"/>
-                      <a:round/>
-                      <a:headEnd type="none" w="med" len="med"/>
-                      <a:tailEnd type="none" w="med" len="med"/>
-                    </a:lnT>
-                    <a:lnB w="12700" cap="flat" cmpd="sng" algn="ctr">
-                      <a:solidFill>
-                        <a:schemeClr val="tx1"/>
-                      </a:solidFill>
-                      <a:prstDash val="solid"/>
-                      <a:round/>
-                      <a:headEnd type="none" w="med" len="med"/>
-                      <a:tailEnd type="none" w="med" len="med"/>
-                    </a:lnB>
-                    <a:solidFill>
-                      <a:schemeClr val="bg1"/>
-                    </a:solidFill>
-                  </a:tcPr>
-                </a:tc>
-              </a:tr>
-              <a:tr h="386410">
-                <a:tc gridSpan="2">
-                  <a:txBody>
-                    <a:bodyPr/>
-                    <a:lstStyle/>
-                    <a:p>
-                      <a:r>
-                        <a:rPr lang="zh-TW" altLang="en-US" sz="1600" dirty="0" smtClean="0">
-                          <a:latin typeface="微軟正黑體" panose="020B0604030504040204" pitchFamily="34" charset="-120"/>
-                          <a:ea typeface="微軟正黑體" panose="020B0604030504040204" pitchFamily="34" charset="-120"/>
-                        </a:rPr>
-                        <a:t>預計</a:t>
-                      </a:r>
-                      <a:r>
-                        <a:rPr lang="en-US" altLang="zh-TW" sz="1600" dirty="0" smtClean="0">
-                          <a:latin typeface="微軟正黑體" panose="020B0604030504040204" pitchFamily="34" charset="-120"/>
-                          <a:ea typeface="微軟正黑體" panose="020B0604030504040204" pitchFamily="34" charset="-120"/>
-                        </a:rPr>
-                        <a:t>/</a:t>
-                      </a:r>
-                      <a:r>
-                        <a:rPr lang="zh-TW" altLang="en-US" sz="1600" dirty="0" smtClean="0">
-                          <a:latin typeface="微軟正黑體" panose="020B0604030504040204" pitchFamily="34" charset="-120"/>
-                          <a:ea typeface="微軟正黑體" panose="020B0604030504040204" pitchFamily="34" charset="-120"/>
-                        </a:rPr>
-                        <a:t>参加人數</a:t>
-                      </a:r>
-                      <a:r>
-                        <a:rPr lang="en-US" altLang="zh-TW" sz="1600" dirty="0" smtClean="0">
-                          <a:latin typeface="微軟正黑體" panose="020B0604030504040204" pitchFamily="34" charset="-120"/>
-                          <a:ea typeface="微軟正黑體" panose="020B0604030504040204" pitchFamily="34" charset="-120"/>
-                        </a:rPr>
-                        <a:t>:</a:t>
-                      </a:r>
-                      <a:r>
-                        <a:rPr lang="zh-TW" altLang="en-US" sz="1600" dirty="0" smtClean="0">
-                          <a:latin typeface="微軟正黑體" panose="020B0604030504040204" pitchFamily="34" charset="-120"/>
-                          <a:ea typeface="微軟正黑體" panose="020B0604030504040204" pitchFamily="34" charset="-120"/>
-                        </a:rPr>
-                        <a:t> </a:t>
-                      </a:r>
-                      <a:r>
-                        <a:rPr lang="en-US" altLang="zh-TW" sz="1600" dirty="0" smtClean="0">
-                          <a:latin typeface="微軟正黑體" panose="020B0604030504040204" pitchFamily="34" charset="-120"/>
-                          <a:ea typeface="微軟正黑體" panose="020B0604030504040204" pitchFamily="34" charset="-120"/>
-                        </a:rPr>
-                        <a:t>1/2</a:t>
-                      </a:r>
-                      <a:endParaRPr lang="zh-TW" altLang="en-US" sz="1600" dirty="0">
-                        <a:latin typeface="微軟正黑體" panose="020B0604030504040204" pitchFamily="34" charset="-120"/>
-                        <a:ea typeface="微軟正黑體" panose="020B0604030504040204" pitchFamily="34" charset="-120"/>
-                      </a:endParaRPr>
-                    </a:p>
-                  </a:txBody>
-                  <a:tcPr>
-                    <a:lnL w="12700" cap="flat" cmpd="sng" algn="ctr">
-                      <a:solidFill>
-                        <a:schemeClr val="tx1"/>
-                      </a:solidFill>
-                      <a:prstDash val="solid"/>
-                      <a:round/>
-                      <a:headEnd type="none" w="med" len="med"/>
-                      <a:tailEnd type="none" w="med" len="med"/>
-                    </a:lnL>
-                    <a:lnR w="12700" cap="flat" cmpd="sng" algn="ctr">
-                      <a:solidFill>
-                        <a:schemeClr val="tx1"/>
-                      </a:solidFill>
-                      <a:prstDash val="solid"/>
-                      <a:round/>
-                      <a:headEnd type="none" w="med" len="med"/>
-                      <a:tailEnd type="none" w="med" len="med"/>
-                    </a:lnR>
-                    <a:lnT w="12700" cap="flat" cmpd="sng" algn="ctr">
-                      <a:solidFill>
-                        <a:schemeClr val="tx1"/>
-                      </a:solidFill>
-                      <a:prstDash val="solid"/>
-                      <a:round/>
-                      <a:headEnd type="none" w="med" len="med"/>
-                      <a:tailEnd type="none" w="med" len="med"/>
-                    </a:lnT>
-                    <a:lnB w="12700" cap="flat" cmpd="sng" algn="ctr">
-                      <a:solidFill>
-                        <a:schemeClr val="tx1"/>
-                      </a:solidFill>
-                      <a:prstDash val="solid"/>
-                      <a:round/>
-                      <a:headEnd type="none" w="med" len="med"/>
-                      <a:tailEnd type="none" w="med" len="med"/>
-                    </a:lnB>
-                    <a:solidFill>
-                      <a:schemeClr val="bg1"/>
-                    </a:solidFill>
-                  </a:tcPr>
-                </a:tc>
-                <a:tc hMerge="1">
-                  <a:txBody>
-                    <a:bodyPr/>
-                    <a:lstStyle/>
-                    <a:p>
-                      <a:endParaRPr lang="zh-TW" altLang="en-US" dirty="0"/>
-                    </a:p>
-                  </a:txBody>
-                  <a:tcPr>
-                    <a:lnL w="12700" cap="flat" cmpd="sng" algn="ctr">
-                      <a:solidFill>
-                        <a:schemeClr val="tx1"/>
-                      </a:solidFill>
-                      <a:prstDash val="solid"/>
-                      <a:round/>
-                      <a:headEnd type="none" w="med" len="med"/>
-                      <a:tailEnd type="none" w="med" len="med"/>
-                    </a:lnL>
-                    <a:lnR w="12700" cap="flat" cmpd="sng" algn="ctr">
-                      <a:solidFill>
-                        <a:schemeClr val="tx1"/>
-                      </a:solidFill>
-                      <a:prstDash val="solid"/>
-                      <a:round/>
-                      <a:headEnd type="none" w="med" len="med"/>
-                      <a:tailEnd type="none" w="med" len="med"/>
-                    </a:lnR>
-                    <a:lnT w="12700" cap="flat" cmpd="sng" algn="ctr">
-                      <a:solidFill>
-                        <a:schemeClr val="tx1"/>
-                      </a:solidFill>
-                      <a:prstDash val="solid"/>
-                      <a:round/>
-                      <a:headEnd type="none" w="med" len="med"/>
-                      <a:tailEnd type="none" w="med" len="med"/>
-                    </a:lnT>
-                    <a:lnB w="12700" cap="flat" cmpd="sng" algn="ctr">
-                      <a:solidFill>
-                        <a:schemeClr val="tx1"/>
-                      </a:solidFill>
-                      <a:prstDash val="solid"/>
-                      <a:round/>
-                      <a:headEnd type="none" w="med" len="med"/>
-                      <a:tailEnd type="none" w="med" len="med"/>
-                    </a:lnB>
-                    <a:solidFill>
-                      <a:schemeClr val="bg1"/>
-                    </a:solidFill>
-                  </a:tcPr>
-                </a:tc>
-              </a:tr>
-              <a:tr h="1959615">
-                <a:tc gridSpan="2">
-                  <a:txBody>
-                    <a:bodyPr/>
-                    <a:lstStyle/>
-                    <a:p>
-                      <a:r>
-                        <a:rPr lang="zh-TW" altLang="en-US" sz="1600" dirty="0" smtClean="0">
-                          <a:latin typeface="微軟正黑體" panose="020B0604030504040204" pitchFamily="34" charset="-120"/>
-                          <a:ea typeface="微軟正黑體" panose="020B0604030504040204" pitchFamily="34" charset="-120"/>
-                        </a:rPr>
-                        <a:t>描述</a:t>
-                      </a:r>
-                      <a:endParaRPr lang="zh-TW" altLang="en-US" sz="1600" dirty="0">
-                        <a:latin typeface="微軟正黑體" panose="020B0604030504040204" pitchFamily="34" charset="-120"/>
-                        <a:ea typeface="微軟正黑體" panose="020B0604030504040204" pitchFamily="34" charset="-120"/>
-                      </a:endParaRPr>
-                    </a:p>
-                  </a:txBody>
-                  <a:tcPr>
-                    <a:lnL w="12700" cap="flat" cmpd="sng" algn="ctr">
-                      <a:solidFill>
-                        <a:schemeClr val="tx1"/>
-                      </a:solidFill>
-                      <a:prstDash val="solid"/>
-                      <a:round/>
-                      <a:headEnd type="none" w="med" len="med"/>
-                      <a:tailEnd type="none" w="med" len="med"/>
-                    </a:lnL>
-                    <a:lnR w="12700" cap="flat" cmpd="sng" algn="ctr">
-                      <a:solidFill>
-                        <a:schemeClr val="tx1"/>
-                      </a:solidFill>
-                      <a:prstDash val="solid"/>
-                      <a:round/>
-                      <a:headEnd type="none" w="med" len="med"/>
-                      <a:tailEnd type="none" w="med" len="med"/>
-                    </a:lnR>
-                    <a:lnT w="12700" cap="flat" cmpd="sng" algn="ctr">
-                      <a:solidFill>
-                        <a:schemeClr val="tx1"/>
-                      </a:solidFill>
-                      <a:prstDash val="solid"/>
-                      <a:round/>
-                      <a:headEnd type="none" w="med" len="med"/>
-                      <a:tailEnd type="none" w="med" len="med"/>
-                    </a:lnT>
-                    <a:lnB w="12700" cap="flat" cmpd="sng" algn="ctr">
-                      <a:solidFill>
-                        <a:schemeClr val="tx1"/>
-                      </a:solidFill>
-                      <a:prstDash val="solid"/>
-                      <a:round/>
-                      <a:headEnd type="none" w="med" len="med"/>
-                      <a:tailEnd type="none" w="med" len="med"/>
-                    </a:lnB>
-                    <a:solidFill>
-                      <a:schemeClr val="bg1"/>
-                    </a:solidFill>
-                  </a:tcPr>
-                </a:tc>
-                <a:tc hMerge="1">
-                  <a:txBody>
-                    <a:bodyPr/>
-                    <a:lstStyle/>
-                    <a:p>
-                      <a:endParaRPr lang="zh-TW" altLang="en-US"/>
-                    </a:p>
-                  </a:txBody>
-                  <a:tcPr/>
-                </a:tc>
-              </a:tr>
-              <a:tr h="2657476">
-                <a:tc gridSpan="2">
-                  <a:txBody>
-                    <a:bodyPr/>
-                    <a:lstStyle/>
-                    <a:p>
-                      <a:endParaRPr lang="zh-TW" altLang="en-US" dirty="0">
-                        <a:latin typeface="微軟正黑體" panose="020B0604030504040204" pitchFamily="34" charset="-120"/>
-                        <a:ea typeface="微軟正黑體" panose="020B0604030504040204" pitchFamily="34" charset="-120"/>
-                      </a:endParaRPr>
-                    </a:p>
-                  </a:txBody>
-                  <a:tcPr>
-                    <a:lnL w="12700" cap="flat" cmpd="sng" algn="ctr">
-                      <a:solidFill>
-                        <a:schemeClr val="tx1"/>
-                      </a:solidFill>
-                      <a:prstDash val="solid"/>
-                      <a:round/>
-                      <a:headEnd type="none" w="med" len="med"/>
-                      <a:tailEnd type="none" w="med" len="med"/>
-                    </a:lnL>
-                    <a:lnR w="12700" cap="flat" cmpd="sng" algn="ctr">
-                      <a:solidFill>
-                        <a:schemeClr val="tx1"/>
-                      </a:solidFill>
-                      <a:prstDash val="solid"/>
-                      <a:round/>
-                      <a:headEnd type="none" w="med" len="med"/>
-                      <a:tailEnd type="none" w="med" len="med"/>
-                    </a:lnR>
-                    <a:lnT w="12700" cap="flat" cmpd="sng" algn="ctr">
-                      <a:solidFill>
-                        <a:schemeClr val="tx1"/>
-                      </a:solidFill>
-                      <a:prstDash val="solid"/>
-                      <a:round/>
-                      <a:headEnd type="none" w="med" len="med"/>
-                      <a:tailEnd type="none" w="med" len="med"/>
-                    </a:lnT>
-                    <a:lnB w="12700" cap="flat" cmpd="sng" algn="ctr">
-                      <a:solidFill>
-                        <a:schemeClr val="tx1"/>
-                      </a:solidFill>
-                      <a:prstDash val="solid"/>
-                      <a:round/>
-                      <a:headEnd type="none" w="med" len="med"/>
-                      <a:tailEnd type="none" w="med" len="med"/>
-                    </a:lnB>
-                    <a:solidFill>
-                      <a:schemeClr val="bg1"/>
-                    </a:solidFill>
-                  </a:tcPr>
-                </a:tc>
-                <a:tc hMerge="1">
-                  <a:txBody>
-                    <a:bodyPr/>
-                    <a:lstStyle/>
-                    <a:p>
-                      <a:endParaRPr lang="zh-TW" altLang="en-US"/>
-                    </a:p>
-                  </a:txBody>
-                  <a:tcPr/>
-                </a:tc>
-              </a:tr>
-            </a:tbl>
-          </a:graphicData>
-        </a:graphic>
-      </p:graphicFrame>
-      <p:pic>
-        <p:nvPicPr>
-          <p:cNvPr id="11" name="圖片 10"/>
-          <p:cNvPicPr>
-            <a:picLocks noChangeAspect="1"/>
-          </p:cNvPicPr>
-          <p:nvPr/>
-        </p:nvPicPr>
-        <p:blipFill rotWithShape="1">
-          <a:blip r:embed="rId2"/>
-          <a:srcRect l="4445"/>
-          <a:stretch/>
-        </p:blipFill>
-        <p:spPr>
-          <a:xfrm>
-            <a:off x="4240988" y="3889688"/>
-            <a:ext cx="4695845" cy="2600012"/>
-          </a:xfrm>
-          <a:prstGeom prst="rect">
-            <a:avLst/>
-          </a:prstGeom>
-        </p:spPr>
-      </p:pic>
-      <p:sp>
-        <p:nvSpPr>
-          <p:cNvPr id="5" name="圓角化同側角落矩形 4"/>
-          <p:cNvSpPr/>
-          <p:nvPr/>
-        </p:nvSpPr>
-        <p:spPr>
-          <a:xfrm>
-            <a:off x="4307271" y="436369"/>
-            <a:ext cx="1008994" cy="305184"/>
-          </a:xfrm>
-          <a:prstGeom prst="round2SameRect">
-            <a:avLst/>
-          </a:prstGeom>
-          <a:solidFill>
-            <a:srgbClr val="A5A5A5"/>
-          </a:solidFill>
-          <a:ln>
-            <a:noFill/>
-          </a:ln>
-        </p:spPr>
-        <p:style>
-          <a:lnRef idx="2">
-            <a:schemeClr val="accent6">
-              <a:shade val="50000"/>
-            </a:schemeClr>
-          </a:lnRef>
-          <a:fillRef idx="1">
-            <a:schemeClr val="accent6"/>
-          </a:fillRef>
-          <a:effectRef idx="0">
-            <a:schemeClr val="accent6"/>
-          </a:effectRef>
-          <a:fontRef idx="minor">
-            <a:schemeClr val="lt1"/>
-          </a:fontRef>
-        </p:style>
-        <p:txBody>
-          <a:bodyPr rtlCol="0" anchor="ctr"/>
-          <a:lstStyle/>
-          <a:p>
-            <a:pPr algn="ctr"/>
-            <a:r>
-              <a:rPr lang="zh-TW" altLang="en-US" sz="1200" dirty="0" smtClean="0"/>
-              <a:t>看看逛</a:t>
-            </a:r>
-            <a:r>
-              <a:rPr lang="zh-TW" altLang="en-US" sz="1200" dirty="0"/>
-              <a:t>逛</a:t>
-            </a:r>
-          </a:p>
-        </p:txBody>
-      </p:sp>
-      <p:sp>
-        <p:nvSpPr>
-          <p:cNvPr id="6" name="圓角化同側角落矩形 5"/>
-          <p:cNvSpPr/>
-          <p:nvPr/>
-        </p:nvSpPr>
-        <p:spPr>
-          <a:xfrm>
-            <a:off x="5491280" y="436370"/>
-            <a:ext cx="1008994" cy="305184"/>
-          </a:xfrm>
-          <a:prstGeom prst="round2SameRect">
-            <a:avLst/>
-          </a:prstGeom>
-          <a:solidFill>
-            <a:srgbClr val="70AD47"/>
-          </a:solidFill>
-          <a:ln>
-            <a:noFill/>
-          </a:ln>
-        </p:spPr>
-        <p:style>
-          <a:lnRef idx="2">
-            <a:schemeClr val="accent3">
-              <a:shade val="50000"/>
-            </a:schemeClr>
-          </a:lnRef>
-          <a:fillRef idx="1">
-            <a:schemeClr val="accent3"/>
-          </a:fillRef>
-          <a:effectRef idx="0">
-            <a:schemeClr val="accent3"/>
-          </a:effectRef>
-          <a:fontRef idx="minor">
-            <a:schemeClr val="lt1"/>
-          </a:fontRef>
-        </p:style>
-        <p:txBody>
-          <a:bodyPr rtlCol="0" anchor="ctr"/>
-          <a:lstStyle/>
-          <a:p>
-            <a:pPr algn="ctr"/>
-            <a:r>
-              <a:rPr lang="zh-TW" altLang="en-US" sz="1200" dirty="0" smtClean="0"/>
-              <a:t>參加的團</a:t>
-            </a:r>
-            <a:endParaRPr lang="zh-TW" altLang="en-US" sz="1200" dirty="0"/>
-          </a:p>
-        </p:txBody>
-      </p:sp>
-      <p:sp>
-        <p:nvSpPr>
-          <p:cNvPr id="7" name="圓角化同側角落矩形 6"/>
-          <p:cNvSpPr/>
-          <p:nvPr/>
-        </p:nvSpPr>
-        <p:spPr>
-          <a:xfrm>
-            <a:off x="6675289" y="436643"/>
-            <a:ext cx="1008994" cy="305184"/>
-          </a:xfrm>
-          <a:prstGeom prst="round2SameRect">
-            <a:avLst/>
-          </a:prstGeom>
-          <a:ln>
-            <a:noFill/>
-          </a:ln>
-        </p:spPr>
-        <p:style>
-          <a:lnRef idx="2">
-            <a:schemeClr val="accent3">
-              <a:shade val="50000"/>
-            </a:schemeClr>
-          </a:lnRef>
-          <a:fillRef idx="1">
-            <a:schemeClr val="accent3"/>
-          </a:fillRef>
-          <a:effectRef idx="0">
-            <a:schemeClr val="accent3"/>
-          </a:effectRef>
-          <a:fontRef idx="minor">
-            <a:schemeClr val="lt1"/>
-          </a:fontRef>
-        </p:style>
-        <p:txBody>
-          <a:bodyPr rtlCol="0" anchor="ctr"/>
-          <a:lstStyle/>
-          <a:p>
-            <a:pPr algn="ctr"/>
-            <a:r>
-              <a:rPr lang="zh-TW" altLang="en-US" sz="1200" dirty="0" smtClean="0"/>
-              <a:t>我揪的團</a:t>
-            </a:r>
-            <a:endParaRPr lang="zh-TW" altLang="en-US" sz="1200" dirty="0"/>
-          </a:p>
-        </p:txBody>
-      </p:sp>
-      <p:sp>
-        <p:nvSpPr>
-          <p:cNvPr id="9" name="圓角化同側角落矩形 8"/>
-          <p:cNvSpPr/>
-          <p:nvPr/>
-        </p:nvSpPr>
-        <p:spPr>
-          <a:xfrm>
-            <a:off x="7859297" y="436613"/>
-            <a:ext cx="1008994" cy="305184"/>
-          </a:xfrm>
-          <a:prstGeom prst="round2SameRect">
-            <a:avLst/>
-          </a:prstGeom>
-          <a:ln>
-            <a:noFill/>
-          </a:ln>
-        </p:spPr>
-        <p:style>
-          <a:lnRef idx="2">
-            <a:schemeClr val="accent3">
-              <a:shade val="50000"/>
-            </a:schemeClr>
-          </a:lnRef>
-          <a:fillRef idx="1">
-            <a:schemeClr val="accent3"/>
-          </a:fillRef>
-          <a:effectRef idx="0">
-            <a:schemeClr val="accent3"/>
-          </a:effectRef>
-          <a:fontRef idx="minor">
-            <a:schemeClr val="lt1"/>
-          </a:fontRef>
-        </p:style>
-        <p:txBody>
-          <a:bodyPr rtlCol="0" anchor="ctr"/>
-          <a:lstStyle/>
-          <a:p>
-            <a:pPr algn="ctr"/>
-            <a:r>
-              <a:rPr lang="zh-TW" altLang="en-US" sz="1200" dirty="0" smtClean="0"/>
-              <a:t>新</a:t>
-            </a:r>
-            <a:r>
-              <a:rPr lang="zh-TW" altLang="en-US" sz="1200" dirty="0"/>
-              <a:t>增</a:t>
-            </a:r>
-            <a:r>
-              <a:rPr lang="zh-TW" altLang="en-US" sz="1200" dirty="0" smtClean="0"/>
-              <a:t>揪團</a:t>
-            </a:r>
-            <a:endParaRPr lang="zh-TW" altLang="en-US" sz="1200" dirty="0"/>
-          </a:p>
-        </p:txBody>
-      </p:sp>
-      <p:graphicFrame>
-        <p:nvGraphicFramePr>
           <p:cNvPr id="12" name="內容版面配置區 22"/>
           <p:cNvGraphicFramePr>
             <a:graphicFrameLocks/>
@@ -6166,13 +5307,13 @@
           <p:nvPr>
             <p:extLst>
               <p:ext uri="{D42A27DB-BD31-4B8C-83A1-F6EECF244321}">
-                <p14:modId xmlns:p14="http://schemas.microsoft.com/office/powerpoint/2010/main" val="742228223"/>
+                <p14:modId xmlns:p14="http://schemas.microsoft.com/office/powerpoint/2010/main" val="3094767451"/>
               </p:ext>
             </p:extLst>
           </p:nvPr>
         </p:nvGraphicFramePr>
         <p:xfrm>
-          <a:off x="-609207" y="352365"/>
+          <a:off x="189580" y="352365"/>
           <a:ext cx="4753050" cy="6162734"/>
         </p:xfrm>
         <a:graphic>
@@ -6578,10 +5719,7 @@
                       <a:tailEnd type="none" w="med" len="med"/>
                     </a:lnB>
                     <a:solidFill>
-                      <a:schemeClr val="accent1">
-                        <a:lumMod val="40000"/>
-                        <a:lumOff val="60000"/>
-                      </a:schemeClr>
+                      <a:srgbClr val="BDD7EE"/>
                     </a:solidFill>
                   </a:tcPr>
                 </a:tc>
@@ -6810,7 +5948,7 @@
         </p:nvSpPr>
         <p:spPr>
           <a:xfrm>
-            <a:off x="-514322" y="436369"/>
+            <a:off x="284465" y="436369"/>
             <a:ext cx="1008994" cy="305184"/>
           </a:xfrm>
           <a:prstGeom prst="round2SameRect">
@@ -6863,7 +6001,7 @@
         </p:nvSpPr>
         <p:spPr>
           <a:xfrm>
-            <a:off x="669687" y="436370"/>
+            <a:off x="1468474" y="436370"/>
             <a:ext cx="1008994" cy="305184"/>
           </a:xfrm>
           <a:prstGeom prst="round2SameRect">
@@ -6913,7 +6051,7 @@
         </p:nvSpPr>
         <p:spPr>
           <a:xfrm>
-            <a:off x="1853696" y="436643"/>
+            <a:off x="2652483" y="436643"/>
             <a:ext cx="1008994" cy="305184"/>
           </a:xfrm>
           <a:prstGeom prst="round2SameRect">
@@ -6960,7 +6098,7 @@
         </p:nvSpPr>
         <p:spPr>
           <a:xfrm>
-            <a:off x="3037704" y="436613"/>
+            <a:off x="3836491" y="436613"/>
             <a:ext cx="1008994" cy="305184"/>
           </a:xfrm>
           <a:prstGeom prst="round2SameRect">
@@ -7017,8 +6155,8 @@
         </p:nvSpPr>
         <p:spPr>
           <a:xfrm>
-            <a:off x="-454235" y="3889688"/>
-            <a:ext cx="4500933" cy="2600012"/>
+            <a:off x="4984568" y="326757"/>
+            <a:ext cx="4075754" cy="2600012"/>
           </a:xfrm>
           <a:prstGeom prst="rect">
             <a:avLst/>
@@ -7306,6 +6444,933 @@
           </a:p>
         </p:txBody>
       </p:sp>
+      <p:graphicFrame>
+        <p:nvGraphicFramePr>
+          <p:cNvPr id="10" name="內容版面配置區 22"/>
+          <p:cNvGraphicFramePr>
+            <a:graphicFrameLocks noGrp="1"/>
+          </p:cNvGraphicFramePr>
+          <p:nvPr>
+            <p:ph idx="1"/>
+            <p:extLst>
+              <p:ext uri="{D42A27DB-BD31-4B8C-83A1-F6EECF244321}">
+                <p14:modId xmlns:p14="http://schemas.microsoft.com/office/powerpoint/2010/main" val="2778880134"/>
+              </p:ext>
+            </p:extLst>
+          </p:nvPr>
+        </p:nvGraphicFramePr>
+        <p:xfrm>
+          <a:off x="4212386" y="352369"/>
+          <a:ext cx="4753050" cy="6162731"/>
+        </p:xfrm>
+        <a:graphic>
+          <a:graphicData uri="http://schemas.openxmlformats.org/drawingml/2006/table">
+            <a:tbl>
+              <a:tblPr firstRow="1" bandRow="1">
+                <a:tableStyleId>{5C22544A-7EE6-4342-B048-85BDC9FD1C3A}</a:tableStyleId>
+              </a:tblPr>
+              <a:tblGrid>
+                <a:gridCol w="2376525"/>
+                <a:gridCol w="2376525"/>
+              </a:tblGrid>
+              <a:tr h="386410">
+                <a:tc gridSpan="2">
+                  <a:txBody>
+                    <a:bodyPr/>
+                    <a:lstStyle/>
+                    <a:p>
+                      <a:endParaRPr lang="zh-TW" altLang="en-US" dirty="0">
+                        <a:latin typeface="微軟正黑體" panose="020B0604030504040204" pitchFamily="34" charset="-120"/>
+                        <a:ea typeface="微軟正黑體" panose="020B0604030504040204" pitchFamily="34" charset="-120"/>
+                      </a:endParaRPr>
+                    </a:p>
+                  </a:txBody>
+                  <a:tcPr>
+                    <a:lnL w="12700" cap="flat" cmpd="sng" algn="ctr">
+                      <a:solidFill>
+                        <a:schemeClr val="tx1"/>
+                      </a:solidFill>
+                      <a:prstDash val="solid"/>
+                      <a:round/>
+                      <a:headEnd type="none" w="med" len="med"/>
+                      <a:tailEnd type="none" w="med" len="med"/>
+                    </a:lnL>
+                    <a:lnR w="12700" cap="flat" cmpd="sng" algn="ctr">
+                      <a:solidFill>
+                        <a:schemeClr val="tx1"/>
+                      </a:solidFill>
+                      <a:prstDash val="solid"/>
+                      <a:round/>
+                      <a:headEnd type="none" w="med" len="med"/>
+                      <a:tailEnd type="none" w="med" len="med"/>
+                    </a:lnR>
+                    <a:lnT w="12700" cap="flat" cmpd="sng" algn="ctr">
+                      <a:solidFill>
+                        <a:schemeClr val="tx1"/>
+                      </a:solidFill>
+                      <a:prstDash val="solid"/>
+                      <a:round/>
+                      <a:headEnd type="none" w="med" len="med"/>
+                      <a:tailEnd type="none" w="med" len="med"/>
+                    </a:lnT>
+                    <a:lnB w="12700" cap="flat" cmpd="sng" algn="ctr">
+                      <a:solidFill>
+                        <a:schemeClr val="tx1"/>
+                      </a:solidFill>
+                      <a:prstDash val="solid"/>
+                      <a:round/>
+                      <a:headEnd type="none" w="med" len="med"/>
+                      <a:tailEnd type="none" w="med" len="med"/>
+                    </a:lnB>
+                    <a:solidFill>
+                      <a:schemeClr val="bg1"/>
+                    </a:solidFill>
+                  </a:tcPr>
+                </a:tc>
+                <a:tc hMerge="1">
+                  <a:txBody>
+                    <a:bodyPr/>
+                    <a:lstStyle/>
+                    <a:p>
+                      <a:endParaRPr lang="zh-TW" altLang="en-US"/>
+                    </a:p>
+                  </a:txBody>
+                  <a:tcPr/>
+                </a:tc>
+              </a:tr>
+              <a:tr h="386410">
+                <a:tc gridSpan="2">
+                  <a:txBody>
+                    <a:bodyPr/>
+                    <a:lstStyle/>
+                    <a:p>
+                      <a:r>
+                        <a:rPr lang="zh-TW" altLang="en-US" sz="1600" dirty="0" smtClean="0">
+                          <a:solidFill>
+                            <a:schemeClr val="tx1"/>
+                          </a:solidFill>
+                          <a:latin typeface="微軟正黑體" panose="020B0604030504040204" pitchFamily="34" charset="-120"/>
+                          <a:ea typeface="微軟正黑體" panose="020B0604030504040204" pitchFamily="34" charset="-120"/>
+                        </a:rPr>
+                        <a:t>看電影小小兵</a:t>
+                      </a:r>
+                      <a:endParaRPr lang="zh-TW" altLang="en-US" sz="1600" dirty="0">
+                        <a:latin typeface="微軟正黑體" panose="020B0604030504040204" pitchFamily="34" charset="-120"/>
+                        <a:ea typeface="微軟正黑體" panose="020B0604030504040204" pitchFamily="34" charset="-120"/>
+                      </a:endParaRPr>
+                    </a:p>
+                  </a:txBody>
+                  <a:tcPr>
+                    <a:lnL w="12700" cap="flat" cmpd="sng" algn="ctr">
+                      <a:solidFill>
+                        <a:schemeClr val="tx1"/>
+                      </a:solidFill>
+                      <a:prstDash val="solid"/>
+                      <a:round/>
+                      <a:headEnd type="none" w="med" len="med"/>
+                      <a:tailEnd type="none" w="med" len="med"/>
+                    </a:lnL>
+                    <a:lnR w="12700" cap="flat" cmpd="sng" algn="ctr">
+                      <a:solidFill>
+                        <a:schemeClr val="tx1"/>
+                      </a:solidFill>
+                      <a:prstDash val="solid"/>
+                      <a:round/>
+                      <a:headEnd type="none" w="med" len="med"/>
+                      <a:tailEnd type="none" w="med" len="med"/>
+                    </a:lnR>
+                    <a:lnT w="12700" cap="flat" cmpd="sng" algn="ctr">
+                      <a:solidFill>
+                        <a:schemeClr val="tx1"/>
+                      </a:solidFill>
+                      <a:prstDash val="solid"/>
+                      <a:round/>
+                      <a:headEnd type="none" w="med" len="med"/>
+                      <a:tailEnd type="none" w="med" len="med"/>
+                    </a:lnT>
+                    <a:lnB w="12700" cap="flat" cmpd="sng" algn="ctr">
+                      <a:solidFill>
+                        <a:schemeClr val="tx1"/>
+                      </a:solidFill>
+                      <a:prstDash val="solid"/>
+                      <a:round/>
+                      <a:headEnd type="none" w="med" len="med"/>
+                      <a:tailEnd type="none" w="med" len="med"/>
+                    </a:lnB>
+                    <a:solidFill>
+                      <a:schemeClr val="bg1"/>
+                    </a:solidFill>
+                  </a:tcPr>
+                </a:tc>
+                <a:tc hMerge="1">
+                  <a:txBody>
+                    <a:bodyPr/>
+                    <a:lstStyle/>
+                    <a:p>
+                      <a:endParaRPr lang="zh-TW" altLang="en-US"/>
+                    </a:p>
+                  </a:txBody>
+                  <a:tcPr/>
+                </a:tc>
+              </a:tr>
+              <a:tr h="386410">
+                <a:tc>
+                  <a:txBody>
+                    <a:bodyPr/>
+                    <a:lstStyle/>
+                    <a:p>
+                      <a:pPr marL="0" marR="0" indent="0" algn="l" defTabSz="914400" rtl="0" eaLnBrk="1" fontAlgn="auto" latinLnBrk="0" hangingPunct="1">
+                        <a:lnSpc>
+                          <a:spcPct val="100000"/>
+                        </a:lnSpc>
+                        <a:spcBef>
+                          <a:spcPts val="0"/>
+                        </a:spcBef>
+                        <a:spcAft>
+                          <a:spcPts val="0"/>
+                        </a:spcAft>
+                        <a:buClrTx/>
+                        <a:buSzTx/>
+                        <a:buFontTx/>
+                        <a:buNone/>
+                        <a:tabLst/>
+                        <a:defRPr/>
+                      </a:pPr>
+                      <a:r>
+                        <a:rPr lang="zh-TW" altLang="en-US" sz="1600" dirty="0" smtClean="0">
+                          <a:latin typeface="微軟正黑體" panose="020B0604030504040204" pitchFamily="34" charset="-120"/>
+                          <a:ea typeface="微軟正黑體" panose="020B0604030504040204" pitchFamily="34" charset="-120"/>
+                        </a:rPr>
+                        <a:t>時間 </a:t>
+                      </a:r>
+                      <a:r>
+                        <a:rPr lang="en-US" altLang="zh-TW" sz="1600" dirty="0" smtClean="0">
+                          <a:latin typeface="微軟正黑體" panose="020B0604030504040204" pitchFamily="34" charset="-120"/>
+                          <a:ea typeface="微軟正黑體" panose="020B0604030504040204" pitchFamily="34" charset="-120"/>
+                        </a:rPr>
+                        <a:t>: 17:00~19:25</a:t>
+                      </a:r>
+                      <a:endParaRPr lang="zh-TW" altLang="en-US" sz="1600" dirty="0" smtClean="0">
+                        <a:latin typeface="微軟正黑體" panose="020B0604030504040204" pitchFamily="34" charset="-120"/>
+                        <a:ea typeface="微軟正黑體" panose="020B0604030504040204" pitchFamily="34" charset="-120"/>
+                      </a:endParaRPr>
+                    </a:p>
+                  </a:txBody>
+                  <a:tcPr>
+                    <a:lnL w="12700" cap="flat" cmpd="sng" algn="ctr">
+                      <a:solidFill>
+                        <a:schemeClr val="tx1"/>
+                      </a:solidFill>
+                      <a:prstDash val="solid"/>
+                      <a:round/>
+                      <a:headEnd type="none" w="med" len="med"/>
+                      <a:tailEnd type="none" w="med" len="med"/>
+                    </a:lnL>
+                    <a:lnR w="12700" cap="flat" cmpd="sng" algn="ctr">
+                      <a:solidFill>
+                        <a:schemeClr val="tx1"/>
+                      </a:solidFill>
+                      <a:prstDash val="solid"/>
+                      <a:round/>
+                      <a:headEnd type="none" w="med" len="med"/>
+                      <a:tailEnd type="none" w="med" len="med"/>
+                    </a:lnR>
+                    <a:lnT w="12700" cap="flat" cmpd="sng" algn="ctr">
+                      <a:solidFill>
+                        <a:schemeClr val="tx1"/>
+                      </a:solidFill>
+                      <a:prstDash val="solid"/>
+                      <a:round/>
+                      <a:headEnd type="none" w="med" len="med"/>
+                      <a:tailEnd type="none" w="med" len="med"/>
+                    </a:lnT>
+                    <a:lnB w="12700" cap="flat" cmpd="sng" algn="ctr">
+                      <a:solidFill>
+                        <a:schemeClr val="tx1"/>
+                      </a:solidFill>
+                      <a:prstDash val="solid"/>
+                      <a:round/>
+                      <a:headEnd type="none" w="med" len="med"/>
+                      <a:tailEnd type="none" w="med" len="med"/>
+                    </a:lnB>
+                    <a:solidFill>
+                      <a:schemeClr val="bg1"/>
+                    </a:solidFill>
+                  </a:tcPr>
+                </a:tc>
+                <a:tc>
+                  <a:txBody>
+                    <a:bodyPr/>
+                    <a:lstStyle/>
+                    <a:p>
+                      <a:r>
+                        <a:rPr lang="zh-TW" altLang="en-US" sz="1600" dirty="0" smtClean="0">
+                          <a:latin typeface="微軟正黑體" panose="020B0604030504040204" pitchFamily="34" charset="-120"/>
+                          <a:ea typeface="微軟正黑體" panose="020B0604030504040204" pitchFamily="34" charset="-120"/>
+                        </a:rPr>
+                        <a:t>地點 </a:t>
+                      </a:r>
+                      <a:r>
+                        <a:rPr lang="en-US" altLang="zh-TW" sz="1600" dirty="0" smtClean="0">
+                          <a:latin typeface="微軟正黑體" panose="020B0604030504040204" pitchFamily="34" charset="-120"/>
+                          <a:ea typeface="微軟正黑體" panose="020B0604030504040204" pitchFamily="34" charset="-120"/>
+                        </a:rPr>
+                        <a:t>: X</a:t>
+                      </a:r>
+                      <a:r>
+                        <a:rPr lang="zh-TW" altLang="en-US" sz="1600" dirty="0" smtClean="0">
+                          <a:latin typeface="微軟正黑體" panose="020B0604030504040204" pitchFamily="34" charset="-120"/>
+                          <a:ea typeface="微軟正黑體" panose="020B0604030504040204" pitchFamily="34" charset="-120"/>
+                        </a:rPr>
+                        <a:t>影城</a:t>
+                      </a:r>
+                      <a:r>
+                        <a:rPr lang="en-US" altLang="zh-TW" sz="1600" dirty="0" smtClean="0">
+                          <a:latin typeface="微軟正黑體" panose="020B0604030504040204" pitchFamily="34" charset="-120"/>
+                          <a:ea typeface="微軟正黑體" panose="020B0604030504040204" pitchFamily="34" charset="-120"/>
+                        </a:rPr>
+                        <a:t>(Map</a:t>
+                      </a:r>
+                      <a:r>
+                        <a:rPr lang="zh-TW" altLang="en-US" sz="1600" dirty="0" smtClean="0">
+                          <a:latin typeface="微軟正黑體" panose="020B0604030504040204" pitchFamily="34" charset="-120"/>
+                          <a:ea typeface="微軟正黑體" panose="020B0604030504040204" pitchFamily="34" charset="-120"/>
+                        </a:rPr>
+                        <a:t>地址</a:t>
+                      </a:r>
+                      <a:r>
+                        <a:rPr lang="en-US" altLang="zh-TW" sz="1600" dirty="0" smtClean="0">
+                          <a:latin typeface="微軟正黑體" panose="020B0604030504040204" pitchFamily="34" charset="-120"/>
+                          <a:ea typeface="微軟正黑體" panose="020B0604030504040204" pitchFamily="34" charset="-120"/>
+                        </a:rPr>
+                        <a:t>)</a:t>
+                      </a:r>
+                      <a:endParaRPr lang="zh-TW" altLang="en-US" sz="1600" dirty="0">
+                        <a:latin typeface="微軟正黑體" panose="020B0604030504040204" pitchFamily="34" charset="-120"/>
+                        <a:ea typeface="微軟正黑體" panose="020B0604030504040204" pitchFamily="34" charset="-120"/>
+                      </a:endParaRPr>
+                    </a:p>
+                  </a:txBody>
+                  <a:tcPr>
+                    <a:lnL w="12700" cap="flat" cmpd="sng" algn="ctr">
+                      <a:solidFill>
+                        <a:schemeClr val="tx1"/>
+                      </a:solidFill>
+                      <a:prstDash val="solid"/>
+                      <a:round/>
+                      <a:headEnd type="none" w="med" len="med"/>
+                      <a:tailEnd type="none" w="med" len="med"/>
+                    </a:lnL>
+                    <a:lnR w="12700" cap="flat" cmpd="sng" algn="ctr">
+                      <a:solidFill>
+                        <a:schemeClr val="tx1"/>
+                      </a:solidFill>
+                      <a:prstDash val="solid"/>
+                      <a:round/>
+                      <a:headEnd type="none" w="med" len="med"/>
+                      <a:tailEnd type="none" w="med" len="med"/>
+                    </a:lnR>
+                    <a:lnT w="12700" cap="flat" cmpd="sng" algn="ctr">
+                      <a:solidFill>
+                        <a:schemeClr val="tx1"/>
+                      </a:solidFill>
+                      <a:prstDash val="solid"/>
+                      <a:round/>
+                      <a:headEnd type="none" w="med" len="med"/>
+                      <a:tailEnd type="none" w="med" len="med"/>
+                    </a:lnT>
+                    <a:lnB w="12700" cap="flat" cmpd="sng" algn="ctr">
+                      <a:solidFill>
+                        <a:schemeClr val="tx1"/>
+                      </a:solidFill>
+                      <a:prstDash val="solid"/>
+                      <a:round/>
+                      <a:headEnd type="none" w="med" len="med"/>
+                      <a:tailEnd type="none" w="med" len="med"/>
+                    </a:lnB>
+                    <a:solidFill>
+                      <a:schemeClr val="bg1"/>
+                    </a:solidFill>
+                  </a:tcPr>
+                </a:tc>
+              </a:tr>
+              <a:tr h="386410">
+                <a:tc gridSpan="2">
+                  <a:txBody>
+                    <a:bodyPr/>
+                    <a:lstStyle/>
+                    <a:p>
+                      <a:r>
+                        <a:rPr lang="zh-TW" altLang="en-US" sz="1600" dirty="0" smtClean="0">
+                          <a:latin typeface="微軟正黑體" panose="020B0604030504040204" pitchFamily="34" charset="-120"/>
+                          <a:ea typeface="微軟正黑體" panose="020B0604030504040204" pitchFamily="34" charset="-120"/>
+                        </a:rPr>
+                        <a:t>預計</a:t>
+                      </a:r>
+                      <a:r>
+                        <a:rPr lang="en-US" altLang="zh-TW" sz="1600" dirty="0" smtClean="0">
+                          <a:latin typeface="微軟正黑體" panose="020B0604030504040204" pitchFamily="34" charset="-120"/>
+                          <a:ea typeface="微軟正黑體" panose="020B0604030504040204" pitchFamily="34" charset="-120"/>
+                        </a:rPr>
+                        <a:t>/</a:t>
+                      </a:r>
+                      <a:r>
+                        <a:rPr lang="zh-TW" altLang="en-US" sz="1600" dirty="0" smtClean="0">
+                          <a:latin typeface="微軟正黑體" panose="020B0604030504040204" pitchFamily="34" charset="-120"/>
+                          <a:ea typeface="微軟正黑體" panose="020B0604030504040204" pitchFamily="34" charset="-120"/>
+                        </a:rPr>
+                        <a:t>参加人數</a:t>
+                      </a:r>
+                      <a:r>
+                        <a:rPr lang="en-US" altLang="zh-TW" sz="1600" dirty="0" smtClean="0">
+                          <a:latin typeface="微軟正黑體" panose="020B0604030504040204" pitchFamily="34" charset="-120"/>
+                          <a:ea typeface="微軟正黑體" panose="020B0604030504040204" pitchFamily="34" charset="-120"/>
+                        </a:rPr>
+                        <a:t>:</a:t>
+                      </a:r>
+                      <a:r>
+                        <a:rPr lang="zh-TW" altLang="en-US" sz="1600" dirty="0" smtClean="0">
+                          <a:latin typeface="微軟正黑體" panose="020B0604030504040204" pitchFamily="34" charset="-120"/>
+                          <a:ea typeface="微軟正黑體" panose="020B0604030504040204" pitchFamily="34" charset="-120"/>
+                        </a:rPr>
+                        <a:t> </a:t>
+                      </a:r>
+                      <a:r>
+                        <a:rPr lang="en-US" altLang="zh-TW" sz="1600" dirty="0" smtClean="0">
+                          <a:latin typeface="微軟正黑體" panose="020B0604030504040204" pitchFamily="34" charset="-120"/>
+                          <a:ea typeface="微軟正黑體" panose="020B0604030504040204" pitchFamily="34" charset="-120"/>
+                        </a:rPr>
+                        <a:t>1/2</a:t>
+                      </a:r>
+                      <a:endParaRPr lang="zh-TW" altLang="en-US" sz="1600" dirty="0">
+                        <a:latin typeface="微軟正黑體" panose="020B0604030504040204" pitchFamily="34" charset="-120"/>
+                        <a:ea typeface="微軟正黑體" panose="020B0604030504040204" pitchFamily="34" charset="-120"/>
+                      </a:endParaRPr>
+                    </a:p>
+                  </a:txBody>
+                  <a:tcPr>
+                    <a:lnL w="12700" cap="flat" cmpd="sng" algn="ctr">
+                      <a:solidFill>
+                        <a:schemeClr val="tx1"/>
+                      </a:solidFill>
+                      <a:prstDash val="solid"/>
+                      <a:round/>
+                      <a:headEnd type="none" w="med" len="med"/>
+                      <a:tailEnd type="none" w="med" len="med"/>
+                    </a:lnL>
+                    <a:lnR w="12700" cap="flat" cmpd="sng" algn="ctr">
+                      <a:solidFill>
+                        <a:schemeClr val="tx1"/>
+                      </a:solidFill>
+                      <a:prstDash val="solid"/>
+                      <a:round/>
+                      <a:headEnd type="none" w="med" len="med"/>
+                      <a:tailEnd type="none" w="med" len="med"/>
+                    </a:lnR>
+                    <a:lnT w="12700" cap="flat" cmpd="sng" algn="ctr">
+                      <a:solidFill>
+                        <a:schemeClr val="tx1"/>
+                      </a:solidFill>
+                      <a:prstDash val="solid"/>
+                      <a:round/>
+                      <a:headEnd type="none" w="med" len="med"/>
+                      <a:tailEnd type="none" w="med" len="med"/>
+                    </a:lnT>
+                    <a:lnB w="12700" cap="flat" cmpd="sng" algn="ctr">
+                      <a:solidFill>
+                        <a:schemeClr val="tx1"/>
+                      </a:solidFill>
+                      <a:prstDash val="solid"/>
+                      <a:round/>
+                      <a:headEnd type="none" w="med" len="med"/>
+                      <a:tailEnd type="none" w="med" len="med"/>
+                    </a:lnB>
+                    <a:solidFill>
+                      <a:schemeClr val="bg1"/>
+                    </a:solidFill>
+                  </a:tcPr>
+                </a:tc>
+                <a:tc hMerge="1">
+                  <a:txBody>
+                    <a:bodyPr/>
+                    <a:lstStyle/>
+                    <a:p>
+                      <a:endParaRPr lang="zh-TW" altLang="en-US" dirty="0"/>
+                    </a:p>
+                  </a:txBody>
+                  <a:tcPr>
+                    <a:lnL w="12700" cap="flat" cmpd="sng" algn="ctr">
+                      <a:solidFill>
+                        <a:schemeClr val="tx1"/>
+                      </a:solidFill>
+                      <a:prstDash val="solid"/>
+                      <a:round/>
+                      <a:headEnd type="none" w="med" len="med"/>
+                      <a:tailEnd type="none" w="med" len="med"/>
+                    </a:lnL>
+                    <a:lnR w="12700" cap="flat" cmpd="sng" algn="ctr">
+                      <a:solidFill>
+                        <a:schemeClr val="tx1"/>
+                      </a:solidFill>
+                      <a:prstDash val="solid"/>
+                      <a:round/>
+                      <a:headEnd type="none" w="med" len="med"/>
+                      <a:tailEnd type="none" w="med" len="med"/>
+                    </a:lnR>
+                    <a:lnT w="12700" cap="flat" cmpd="sng" algn="ctr">
+                      <a:solidFill>
+                        <a:schemeClr val="tx1"/>
+                      </a:solidFill>
+                      <a:prstDash val="solid"/>
+                      <a:round/>
+                      <a:headEnd type="none" w="med" len="med"/>
+                      <a:tailEnd type="none" w="med" len="med"/>
+                    </a:lnT>
+                    <a:lnB w="12700" cap="flat" cmpd="sng" algn="ctr">
+                      <a:solidFill>
+                        <a:schemeClr val="tx1"/>
+                      </a:solidFill>
+                      <a:prstDash val="solid"/>
+                      <a:round/>
+                      <a:headEnd type="none" w="med" len="med"/>
+                      <a:tailEnd type="none" w="med" len="med"/>
+                    </a:lnB>
+                    <a:solidFill>
+                      <a:schemeClr val="bg1"/>
+                    </a:solidFill>
+                  </a:tcPr>
+                </a:tc>
+              </a:tr>
+              <a:tr h="1959615">
+                <a:tc gridSpan="2">
+                  <a:txBody>
+                    <a:bodyPr/>
+                    <a:lstStyle/>
+                    <a:p>
+                      <a:r>
+                        <a:rPr lang="zh-TW" altLang="en-US" sz="1600" dirty="0" smtClean="0">
+                          <a:latin typeface="微軟正黑體" panose="020B0604030504040204" pitchFamily="34" charset="-120"/>
+                          <a:ea typeface="微軟正黑體" panose="020B0604030504040204" pitchFamily="34" charset="-120"/>
+                        </a:rPr>
+                        <a:t>描述</a:t>
+                      </a:r>
+                      <a:endParaRPr lang="zh-TW" altLang="en-US" sz="1600" dirty="0">
+                        <a:latin typeface="微軟正黑體" panose="020B0604030504040204" pitchFamily="34" charset="-120"/>
+                        <a:ea typeface="微軟正黑體" panose="020B0604030504040204" pitchFamily="34" charset="-120"/>
+                      </a:endParaRPr>
+                    </a:p>
+                  </a:txBody>
+                  <a:tcPr>
+                    <a:lnL w="12700" cap="flat" cmpd="sng" algn="ctr">
+                      <a:solidFill>
+                        <a:schemeClr val="tx1"/>
+                      </a:solidFill>
+                      <a:prstDash val="solid"/>
+                      <a:round/>
+                      <a:headEnd type="none" w="med" len="med"/>
+                      <a:tailEnd type="none" w="med" len="med"/>
+                    </a:lnL>
+                    <a:lnR w="12700" cap="flat" cmpd="sng" algn="ctr">
+                      <a:solidFill>
+                        <a:schemeClr val="tx1"/>
+                      </a:solidFill>
+                      <a:prstDash val="solid"/>
+                      <a:round/>
+                      <a:headEnd type="none" w="med" len="med"/>
+                      <a:tailEnd type="none" w="med" len="med"/>
+                    </a:lnR>
+                    <a:lnT w="12700" cap="flat" cmpd="sng" algn="ctr">
+                      <a:solidFill>
+                        <a:schemeClr val="tx1"/>
+                      </a:solidFill>
+                      <a:prstDash val="solid"/>
+                      <a:round/>
+                      <a:headEnd type="none" w="med" len="med"/>
+                      <a:tailEnd type="none" w="med" len="med"/>
+                    </a:lnT>
+                    <a:lnB w="12700" cap="flat" cmpd="sng" algn="ctr">
+                      <a:solidFill>
+                        <a:schemeClr val="tx1"/>
+                      </a:solidFill>
+                      <a:prstDash val="solid"/>
+                      <a:round/>
+                      <a:headEnd type="none" w="med" len="med"/>
+                      <a:tailEnd type="none" w="med" len="med"/>
+                    </a:lnB>
+                    <a:solidFill>
+                      <a:schemeClr val="bg1"/>
+                    </a:solidFill>
+                  </a:tcPr>
+                </a:tc>
+                <a:tc hMerge="1">
+                  <a:txBody>
+                    <a:bodyPr/>
+                    <a:lstStyle/>
+                    <a:p>
+                      <a:endParaRPr lang="zh-TW" altLang="en-US"/>
+                    </a:p>
+                  </a:txBody>
+                  <a:tcPr/>
+                </a:tc>
+              </a:tr>
+              <a:tr h="2657476">
+                <a:tc gridSpan="2">
+                  <a:txBody>
+                    <a:bodyPr/>
+                    <a:lstStyle/>
+                    <a:p>
+                      <a:endParaRPr lang="zh-TW" altLang="en-US" dirty="0">
+                        <a:latin typeface="微軟正黑體" panose="020B0604030504040204" pitchFamily="34" charset="-120"/>
+                        <a:ea typeface="微軟正黑體" panose="020B0604030504040204" pitchFamily="34" charset="-120"/>
+                      </a:endParaRPr>
+                    </a:p>
+                  </a:txBody>
+                  <a:tcPr>
+                    <a:lnL w="12700" cap="flat" cmpd="sng" algn="ctr">
+                      <a:solidFill>
+                        <a:schemeClr val="tx1"/>
+                      </a:solidFill>
+                      <a:prstDash val="solid"/>
+                      <a:round/>
+                      <a:headEnd type="none" w="med" len="med"/>
+                      <a:tailEnd type="none" w="med" len="med"/>
+                    </a:lnL>
+                    <a:lnR w="12700" cap="flat" cmpd="sng" algn="ctr">
+                      <a:solidFill>
+                        <a:schemeClr val="tx1"/>
+                      </a:solidFill>
+                      <a:prstDash val="solid"/>
+                      <a:round/>
+                      <a:headEnd type="none" w="med" len="med"/>
+                      <a:tailEnd type="none" w="med" len="med"/>
+                    </a:lnR>
+                    <a:lnT w="12700" cap="flat" cmpd="sng" algn="ctr">
+                      <a:solidFill>
+                        <a:schemeClr val="tx1"/>
+                      </a:solidFill>
+                      <a:prstDash val="solid"/>
+                      <a:round/>
+                      <a:headEnd type="none" w="med" len="med"/>
+                      <a:tailEnd type="none" w="med" len="med"/>
+                    </a:lnT>
+                    <a:lnB w="12700" cap="flat" cmpd="sng" algn="ctr">
+                      <a:solidFill>
+                        <a:schemeClr val="tx1"/>
+                      </a:solidFill>
+                      <a:prstDash val="solid"/>
+                      <a:round/>
+                      <a:headEnd type="none" w="med" len="med"/>
+                      <a:tailEnd type="none" w="med" len="med"/>
+                    </a:lnB>
+                    <a:solidFill>
+                      <a:schemeClr val="bg1"/>
+                    </a:solidFill>
+                  </a:tcPr>
+                </a:tc>
+                <a:tc hMerge="1">
+                  <a:txBody>
+                    <a:bodyPr/>
+                    <a:lstStyle/>
+                    <a:p>
+                      <a:endParaRPr lang="zh-TW" altLang="en-US"/>
+                    </a:p>
+                  </a:txBody>
+                  <a:tcPr/>
+                </a:tc>
+              </a:tr>
+            </a:tbl>
+          </a:graphicData>
+        </a:graphic>
+      </p:graphicFrame>
+      <p:grpSp>
+        <p:nvGrpSpPr>
+          <p:cNvPr id="4" name="群組 3"/>
+          <p:cNvGrpSpPr/>
+          <p:nvPr/>
+        </p:nvGrpSpPr>
+        <p:grpSpPr>
+          <a:xfrm>
+            <a:off x="4000501" y="436369"/>
+            <a:ext cx="4936332" cy="6053331"/>
+            <a:chOff x="4000501" y="436369"/>
+            <a:chExt cx="4936332" cy="6053331"/>
+          </a:xfrm>
+        </p:grpSpPr>
+        <p:pic>
+          <p:nvPicPr>
+            <p:cNvPr id="11" name="圖片 10"/>
+            <p:cNvPicPr>
+              <a:picLocks noChangeAspect="1"/>
+            </p:cNvPicPr>
+            <p:nvPr/>
+          </p:nvPicPr>
+          <p:blipFill rotWithShape="1">
+            <a:blip r:embed="rId2"/>
+            <a:srcRect l="4445"/>
+            <a:stretch/>
+          </p:blipFill>
+          <p:spPr>
+            <a:xfrm>
+              <a:off x="4240988" y="3889688"/>
+              <a:ext cx="4695845" cy="2600012"/>
+            </a:xfrm>
+            <a:prstGeom prst="rect">
+              <a:avLst/>
+            </a:prstGeom>
+          </p:spPr>
+        </p:pic>
+        <p:sp>
+          <p:nvSpPr>
+            <p:cNvPr id="5" name="圓角化同側角落矩形 4"/>
+            <p:cNvSpPr/>
+            <p:nvPr/>
+          </p:nvSpPr>
+          <p:spPr>
+            <a:xfrm>
+              <a:off x="4307271" y="436369"/>
+              <a:ext cx="1008994" cy="305184"/>
+            </a:xfrm>
+            <a:prstGeom prst="round2SameRect">
+              <a:avLst/>
+            </a:prstGeom>
+            <a:solidFill>
+              <a:srgbClr val="A5A5A5"/>
+            </a:solidFill>
+            <a:ln>
+              <a:noFill/>
+            </a:ln>
+          </p:spPr>
+          <p:style>
+            <a:lnRef idx="2">
+              <a:schemeClr val="accent6">
+                <a:shade val="50000"/>
+              </a:schemeClr>
+            </a:lnRef>
+            <a:fillRef idx="1">
+              <a:schemeClr val="accent6"/>
+            </a:fillRef>
+            <a:effectRef idx="0">
+              <a:schemeClr val="accent6"/>
+            </a:effectRef>
+            <a:fontRef idx="minor">
+              <a:schemeClr val="lt1"/>
+            </a:fontRef>
+          </p:style>
+          <p:txBody>
+            <a:bodyPr rtlCol="0" anchor="ctr"/>
+            <a:lstStyle/>
+            <a:p>
+              <a:pPr algn="ctr"/>
+              <a:r>
+                <a:rPr lang="zh-TW" altLang="en-US" sz="1200" dirty="0" smtClean="0"/>
+                <a:t>看看逛</a:t>
+              </a:r>
+              <a:r>
+                <a:rPr lang="zh-TW" altLang="en-US" sz="1200" dirty="0"/>
+                <a:t>逛</a:t>
+              </a:r>
+            </a:p>
+          </p:txBody>
+        </p:sp>
+        <p:sp>
+          <p:nvSpPr>
+            <p:cNvPr id="6" name="圓角化同側角落矩形 5"/>
+            <p:cNvSpPr/>
+            <p:nvPr/>
+          </p:nvSpPr>
+          <p:spPr>
+            <a:xfrm>
+              <a:off x="5491280" y="436370"/>
+              <a:ext cx="1008994" cy="305184"/>
+            </a:xfrm>
+            <a:prstGeom prst="round2SameRect">
+              <a:avLst/>
+            </a:prstGeom>
+            <a:solidFill>
+              <a:srgbClr val="70AD47"/>
+            </a:solidFill>
+            <a:ln>
+              <a:noFill/>
+            </a:ln>
+          </p:spPr>
+          <p:style>
+            <a:lnRef idx="2">
+              <a:schemeClr val="accent3">
+                <a:shade val="50000"/>
+              </a:schemeClr>
+            </a:lnRef>
+            <a:fillRef idx="1">
+              <a:schemeClr val="accent3"/>
+            </a:fillRef>
+            <a:effectRef idx="0">
+              <a:schemeClr val="accent3"/>
+            </a:effectRef>
+            <a:fontRef idx="minor">
+              <a:schemeClr val="lt1"/>
+            </a:fontRef>
+          </p:style>
+          <p:txBody>
+            <a:bodyPr rtlCol="0" anchor="ctr"/>
+            <a:lstStyle/>
+            <a:p>
+              <a:pPr algn="ctr"/>
+              <a:r>
+                <a:rPr lang="zh-TW" altLang="en-US" sz="1200" dirty="0" smtClean="0"/>
+                <a:t>參加的團</a:t>
+              </a:r>
+              <a:endParaRPr lang="zh-TW" altLang="en-US" sz="1200" dirty="0"/>
+            </a:p>
+          </p:txBody>
+        </p:sp>
+        <p:sp>
+          <p:nvSpPr>
+            <p:cNvPr id="7" name="圓角化同側角落矩形 6"/>
+            <p:cNvSpPr/>
+            <p:nvPr/>
+          </p:nvSpPr>
+          <p:spPr>
+            <a:xfrm>
+              <a:off x="6675289" y="436643"/>
+              <a:ext cx="1008994" cy="305184"/>
+            </a:xfrm>
+            <a:prstGeom prst="round2SameRect">
+              <a:avLst/>
+            </a:prstGeom>
+            <a:ln>
+              <a:noFill/>
+            </a:ln>
+          </p:spPr>
+          <p:style>
+            <a:lnRef idx="2">
+              <a:schemeClr val="accent3">
+                <a:shade val="50000"/>
+              </a:schemeClr>
+            </a:lnRef>
+            <a:fillRef idx="1">
+              <a:schemeClr val="accent3"/>
+            </a:fillRef>
+            <a:effectRef idx="0">
+              <a:schemeClr val="accent3"/>
+            </a:effectRef>
+            <a:fontRef idx="minor">
+              <a:schemeClr val="lt1"/>
+            </a:fontRef>
+          </p:style>
+          <p:txBody>
+            <a:bodyPr rtlCol="0" anchor="ctr"/>
+            <a:lstStyle/>
+            <a:p>
+              <a:pPr algn="ctr"/>
+              <a:r>
+                <a:rPr lang="zh-TW" altLang="en-US" sz="1200" dirty="0" smtClean="0"/>
+                <a:t>我揪的團</a:t>
+              </a:r>
+              <a:endParaRPr lang="zh-TW" altLang="en-US" sz="1200" dirty="0"/>
+            </a:p>
+          </p:txBody>
+        </p:sp>
+        <p:sp>
+          <p:nvSpPr>
+            <p:cNvPr id="9" name="圓角化同側角落矩形 8"/>
+            <p:cNvSpPr/>
+            <p:nvPr/>
+          </p:nvSpPr>
+          <p:spPr>
+            <a:xfrm>
+              <a:off x="7859297" y="436613"/>
+              <a:ext cx="1008994" cy="305184"/>
+            </a:xfrm>
+            <a:prstGeom prst="round2SameRect">
+              <a:avLst/>
+            </a:prstGeom>
+            <a:ln>
+              <a:noFill/>
+            </a:ln>
+          </p:spPr>
+          <p:style>
+            <a:lnRef idx="2">
+              <a:schemeClr val="accent3">
+                <a:shade val="50000"/>
+              </a:schemeClr>
+            </a:lnRef>
+            <a:fillRef idx="1">
+              <a:schemeClr val="accent3"/>
+            </a:fillRef>
+            <a:effectRef idx="0">
+              <a:schemeClr val="accent3"/>
+            </a:effectRef>
+            <a:fontRef idx="minor">
+              <a:schemeClr val="lt1"/>
+            </a:fontRef>
+          </p:style>
+          <p:txBody>
+            <a:bodyPr rtlCol="0" anchor="ctr"/>
+            <a:lstStyle/>
+            <a:p>
+              <a:pPr algn="ctr"/>
+              <a:r>
+                <a:rPr lang="zh-TW" altLang="en-US" sz="1200" dirty="0" smtClean="0"/>
+                <a:t>新</a:t>
+              </a:r>
+              <a:r>
+                <a:rPr lang="zh-TW" altLang="en-US" sz="1200" dirty="0"/>
+                <a:t>增</a:t>
+              </a:r>
+              <a:r>
+                <a:rPr lang="zh-TW" altLang="en-US" sz="1200" dirty="0" smtClean="0"/>
+                <a:t>揪團</a:t>
+              </a:r>
+              <a:endParaRPr lang="zh-TW" altLang="en-US" sz="1200" dirty="0"/>
+            </a:p>
+          </p:txBody>
+        </p:sp>
+        <p:sp>
+          <p:nvSpPr>
+            <p:cNvPr id="2" name="向右箭號 1"/>
+            <p:cNvSpPr/>
+            <p:nvPr/>
+          </p:nvSpPr>
+          <p:spPr>
+            <a:xfrm>
+              <a:off x="4000501" y="2381484"/>
+              <a:ext cx="336331" cy="409903"/>
+            </a:xfrm>
+            <a:prstGeom prst="rightArrow">
+              <a:avLst/>
+            </a:prstGeom>
+            <a:solidFill>
+              <a:schemeClr val="tx1"/>
+            </a:solidFill>
+            <a:ln>
+              <a:noFill/>
+            </a:ln>
+          </p:spPr>
+          <p:style>
+            <a:lnRef idx="2">
+              <a:schemeClr val="accent1">
+                <a:shade val="50000"/>
+              </a:schemeClr>
+            </a:lnRef>
+            <a:fillRef idx="1">
+              <a:schemeClr val="accent1"/>
+            </a:fillRef>
+            <a:effectRef idx="0">
+              <a:schemeClr val="accent1"/>
+            </a:effectRef>
+            <a:fontRef idx="minor">
+              <a:schemeClr val="lt1"/>
+            </a:fontRef>
+          </p:style>
+          <p:txBody>
+            <a:bodyPr rtlCol="0" anchor="ctr"/>
+            <a:lstStyle/>
+            <a:p>
+              <a:pPr algn="ctr"/>
+              <a:endParaRPr lang="zh-TW" altLang="en-US"/>
+            </a:p>
+          </p:txBody>
+        </p:sp>
+      </p:grpSp>
       <p:sp>
         <p:nvSpPr>
           <p:cNvPr id="19" name="內容版面配置區 2"/>
@@ -7316,8 +7381,8 @@
         </p:nvSpPr>
         <p:spPr>
           <a:xfrm>
-            <a:off x="4307271" y="1979006"/>
-            <a:ext cx="4500933" cy="1780194"/>
+            <a:off x="277976" y="4029629"/>
+            <a:ext cx="3905807" cy="1247228"/>
           </a:xfrm>
           <a:prstGeom prst="rect">
             <a:avLst/>
@@ -7502,13 +7567,13 @@
               <a:buNone/>
             </a:pPr>
             <a:r>
-              <a:rPr lang="zh-TW" altLang="en-US" sz="2400" b="1" dirty="0" smtClean="0">
+              <a:rPr lang="zh-TW" altLang="en-US" sz="2000" b="1" dirty="0" smtClean="0">
                 <a:latin typeface="微軟正黑體" panose="020B0604030504040204" pitchFamily="34" charset="-120"/>
                 <a:ea typeface="微軟正黑體" panose="020B0604030504040204" pitchFamily="34" charset="-120"/>
               </a:rPr>
               <a:t>參加的團</a:t>
             </a:r>
-            <a:endParaRPr lang="en-US" altLang="zh-TW" sz="2400" b="1" dirty="0" smtClean="0">
+            <a:endParaRPr lang="en-US" altLang="zh-TW" sz="2000" b="1" dirty="0" smtClean="0">
               <a:latin typeface="微軟正黑體" panose="020B0604030504040204" pitchFamily="34" charset="-120"/>
               <a:ea typeface="微軟正黑體" panose="020B0604030504040204" pitchFamily="34" charset="-120"/>
             </a:endParaRPr>
@@ -7520,13 +7585,20 @@
               </a:lnSpc>
             </a:pPr>
             <a:r>
-              <a:rPr lang="zh-TW" altLang="en-US" sz="2400" dirty="0" smtClean="0">
+              <a:rPr lang="zh-TW" altLang="en-US" sz="2000" dirty="0" smtClean="0">
                 <a:latin typeface="微軟正黑體" panose="020B0604030504040204" pitchFamily="34" charset="-120"/>
                 <a:ea typeface="微軟正黑體" panose="020B0604030504040204" pitchFamily="34" charset="-120"/>
               </a:rPr>
-              <a:t>隨時查看已參加活動的詳細時間、地點</a:t>
-            </a:r>
-            <a:endParaRPr lang="en-US" altLang="zh-TW" sz="2400" dirty="0" smtClean="0">
+              <a:t>隨時查看已參加活動的詳細時間、</a:t>
+            </a:r>
+            <a:r>
+              <a:rPr lang="zh-TW" altLang="en-US" sz="2000" dirty="0" smtClean="0">
+                <a:latin typeface="微軟正黑體" panose="020B0604030504040204" pitchFamily="34" charset="-120"/>
+                <a:ea typeface="微軟正黑體" panose="020B0604030504040204" pitchFamily="34" charset="-120"/>
+              </a:rPr>
+              <a:t>地點</a:t>
+            </a:r>
+            <a:endParaRPr lang="en-US" altLang="zh-TW" sz="2000" dirty="0" smtClean="0">
               <a:latin typeface="微軟正黑體" panose="020B0604030504040204" pitchFamily="34" charset="-120"/>
               <a:ea typeface="微軟正黑體" panose="020B0604030504040204" pitchFamily="34" charset="-120"/>
             </a:endParaRPr>
@@ -7537,18 +7609,7 @@
                 <a:spcPct val="100000"/>
               </a:lnSpc>
             </a:pPr>
-            <a:endParaRPr lang="en-US" altLang="zh-TW" sz="2400" dirty="0" smtClean="0">
-              <a:latin typeface="微軟正黑體" panose="020B0604030504040204" pitchFamily="34" charset="-120"/>
-              <a:ea typeface="微軟正黑體" panose="020B0604030504040204" pitchFamily="34" charset="-120"/>
-            </a:endParaRPr>
-          </a:p>
-          <a:p>
-            <a:pPr>
-              <a:lnSpc>
-                <a:spcPct val="100000"/>
-              </a:lnSpc>
-            </a:pPr>
-            <a:endParaRPr lang="zh-TW" altLang="en-US" sz="2400" dirty="0">
+            <a:endParaRPr lang="zh-TW" altLang="en-US" sz="2000" dirty="0">
               <a:latin typeface="微軟正黑體" panose="020B0604030504040204" pitchFamily="34" charset="-120"/>
               <a:ea typeface="微軟正黑體" panose="020B0604030504040204" pitchFamily="34" charset="-120"/>
             </a:endParaRPr>
@@ -7565,6 +7626,174 @@
   <p:clrMapOvr>
     <a:masterClrMapping/>
   </p:clrMapOvr>
+  <p:timing>
+    <p:tnLst>
+      <p:par>
+        <p:cTn id="1" dur="indefinite" restart="never" nodeType="tmRoot">
+          <p:childTnLst>
+            <p:seq concurrent="1" nextAc="seek">
+              <p:cTn id="2" dur="indefinite" nodeType="mainSeq">
+                <p:childTnLst>
+                  <p:par>
+                    <p:cTn id="3" fill="hold">
+                      <p:stCondLst>
+                        <p:cond delay="indefinite"/>
+                        <p:cond evt="onBegin" delay="0">
+                          <p:tn val="2"/>
+                        </p:cond>
+                      </p:stCondLst>
+                      <p:childTnLst>
+                        <p:par>
+                          <p:cTn id="4" fill="hold">
+                            <p:stCondLst>
+                              <p:cond delay="0"/>
+                            </p:stCondLst>
+                            <p:childTnLst>
+                              <p:par>
+                                <p:cTn id="5" presetID="22" presetClass="entr" presetSubtype="8" fill="hold" nodeType="withEffect">
+                                  <p:stCondLst>
+                                    <p:cond delay="0"/>
+                                  </p:stCondLst>
+                                  <p:childTnLst>
+                                    <p:set>
+                                      <p:cBhvr>
+                                        <p:cTn id="6" dur="1" fill="hold">
+                                          <p:stCondLst>
+                                            <p:cond delay="0"/>
+                                          </p:stCondLst>
+                                        </p:cTn>
+                                        <p:tgtEl>
+                                          <p:spTgt spid="10"/>
+                                        </p:tgtEl>
+                                        <p:attrNameLst>
+                                          <p:attrName>style.visibility</p:attrName>
+                                        </p:attrNameLst>
+                                      </p:cBhvr>
+                                      <p:to>
+                                        <p:strVal val="visible"/>
+                                      </p:to>
+                                    </p:set>
+                                    <p:animEffect transition="in" filter="wipe(left)">
+                                      <p:cBhvr>
+                                        <p:cTn id="7" dur="500"/>
+                                        <p:tgtEl>
+                                          <p:spTgt spid="10"/>
+                                        </p:tgtEl>
+                                      </p:cBhvr>
+                                    </p:animEffect>
+                                  </p:childTnLst>
+                                </p:cTn>
+                              </p:par>
+                              <p:par>
+                                <p:cTn id="8" presetID="22" presetClass="entr" presetSubtype="8" fill="hold" nodeType="withEffect">
+                                  <p:stCondLst>
+                                    <p:cond delay="0"/>
+                                  </p:stCondLst>
+                                  <p:childTnLst>
+                                    <p:set>
+                                      <p:cBhvr>
+                                        <p:cTn id="9" dur="1" fill="hold">
+                                          <p:stCondLst>
+                                            <p:cond delay="0"/>
+                                          </p:stCondLst>
+                                        </p:cTn>
+                                        <p:tgtEl>
+                                          <p:spTgt spid="4"/>
+                                        </p:tgtEl>
+                                        <p:attrNameLst>
+                                          <p:attrName>style.visibility</p:attrName>
+                                        </p:attrNameLst>
+                                      </p:cBhvr>
+                                      <p:to>
+                                        <p:strVal val="visible"/>
+                                      </p:to>
+                                    </p:set>
+                                    <p:animEffect transition="in" filter="wipe(left)">
+                                      <p:cBhvr>
+                                        <p:cTn id="10" dur="500"/>
+                                        <p:tgtEl>
+                                          <p:spTgt spid="4"/>
+                                        </p:tgtEl>
+                                      </p:cBhvr>
+                                    </p:animEffect>
+                                  </p:childTnLst>
+                                </p:cTn>
+                              </p:par>
+                            </p:childTnLst>
+                          </p:cTn>
+                        </p:par>
+                        <p:par>
+                          <p:cTn id="11" fill="hold">
+                            <p:stCondLst>
+                              <p:cond delay="500"/>
+                            </p:stCondLst>
+                            <p:childTnLst>
+                              <p:par>
+                                <p:cTn id="12" presetID="10" presetClass="entr" presetSubtype="0" fill="hold" grpId="0" nodeType="afterEffect">
+                                  <p:stCondLst>
+                                    <p:cond delay="0"/>
+                                  </p:stCondLst>
+                                  <p:childTnLst>
+                                    <p:set>
+                                      <p:cBhvr>
+                                        <p:cTn id="13" dur="1" fill="hold">
+                                          <p:stCondLst>
+                                            <p:cond delay="0"/>
+                                          </p:stCondLst>
+                                        </p:cTn>
+                                        <p:tgtEl>
+                                          <p:spTgt spid="19"/>
+                                        </p:tgtEl>
+                                        <p:attrNameLst>
+                                          <p:attrName>style.visibility</p:attrName>
+                                        </p:attrNameLst>
+                                      </p:cBhvr>
+                                      <p:to>
+                                        <p:strVal val="visible"/>
+                                      </p:to>
+                                    </p:set>
+                                    <p:animEffect transition="in" filter="fade">
+                                      <p:cBhvr>
+                                        <p:cTn id="14" dur="500"/>
+                                        <p:tgtEl>
+                                          <p:spTgt spid="19"/>
+                                        </p:tgtEl>
+                                      </p:cBhvr>
+                                    </p:animEffect>
+                                  </p:childTnLst>
+                                </p:cTn>
+                              </p:par>
+                            </p:childTnLst>
+                          </p:cTn>
+                        </p:par>
+                      </p:childTnLst>
+                    </p:cTn>
+                  </p:par>
+                </p:childTnLst>
+              </p:cTn>
+              <p:prevCondLst>
+                <p:cond evt="onPrev" delay="0">
+                  <p:tgtEl>
+                    <p:sldTgt/>
+                  </p:tgtEl>
+                </p:cond>
+              </p:prevCondLst>
+              <p:nextCondLst>
+                <p:cond evt="onNext" delay="0">
+                  <p:tgtEl>
+                    <p:sldTgt/>
+                  </p:tgtEl>
+                </p:cond>
+              </p:nextCondLst>
+            </p:seq>
+          </p:childTnLst>
+        </p:cTn>
+      </p:par>
+    </p:tnLst>
+    <p:bldLst>
+      <p:bldP spid="19" grpId="0" animBg="1"/>
+    </p:bldLst>
+  </p:timing>
 </p:sld>
 </file>
 
@@ -7587,858 +7816,6 @@
       </p:grpSpPr>
       <p:graphicFrame>
         <p:nvGraphicFramePr>
-          <p:cNvPr id="10" name="內容版面配置區 22"/>
-          <p:cNvGraphicFramePr>
-            <a:graphicFrameLocks noGrp="1"/>
-          </p:cNvGraphicFramePr>
-          <p:nvPr>
-            <p:ph idx="1"/>
-            <p:extLst>
-              <p:ext uri="{D42A27DB-BD31-4B8C-83A1-F6EECF244321}">
-                <p14:modId xmlns:p14="http://schemas.microsoft.com/office/powerpoint/2010/main" val="2281288088"/>
-              </p:ext>
-            </p:extLst>
-          </p:nvPr>
-        </p:nvGraphicFramePr>
-        <p:xfrm>
-          <a:off x="4390950" y="352369"/>
-          <a:ext cx="4753050" cy="6162731"/>
-        </p:xfrm>
-        <a:graphic>
-          <a:graphicData uri="http://schemas.openxmlformats.org/drawingml/2006/table">
-            <a:tbl>
-              <a:tblPr firstRow="1" bandRow="1">
-                <a:tableStyleId>{5C22544A-7EE6-4342-B048-85BDC9FD1C3A}</a:tableStyleId>
-              </a:tblPr>
-              <a:tblGrid>
-                <a:gridCol w="2376525"/>
-                <a:gridCol w="2376525"/>
-              </a:tblGrid>
-              <a:tr h="386410">
-                <a:tc gridSpan="2">
-                  <a:txBody>
-                    <a:bodyPr/>
-                    <a:lstStyle/>
-                    <a:p>
-                      <a:endParaRPr lang="zh-TW" altLang="en-US" dirty="0">
-                        <a:latin typeface="微軟正黑體" panose="020B0604030504040204" pitchFamily="34" charset="-120"/>
-                        <a:ea typeface="微軟正黑體" panose="020B0604030504040204" pitchFamily="34" charset="-120"/>
-                      </a:endParaRPr>
-                    </a:p>
-                  </a:txBody>
-                  <a:tcPr>
-                    <a:lnL w="12700" cap="flat" cmpd="sng" algn="ctr">
-                      <a:solidFill>
-                        <a:schemeClr val="tx1"/>
-                      </a:solidFill>
-                      <a:prstDash val="solid"/>
-                      <a:round/>
-                      <a:headEnd type="none" w="med" len="med"/>
-                      <a:tailEnd type="none" w="med" len="med"/>
-                    </a:lnL>
-                    <a:lnR w="12700" cap="flat" cmpd="sng" algn="ctr">
-                      <a:solidFill>
-                        <a:schemeClr val="tx1"/>
-                      </a:solidFill>
-                      <a:prstDash val="solid"/>
-                      <a:round/>
-                      <a:headEnd type="none" w="med" len="med"/>
-                      <a:tailEnd type="none" w="med" len="med"/>
-                    </a:lnR>
-                    <a:lnT w="12700" cap="flat" cmpd="sng" algn="ctr">
-                      <a:solidFill>
-                        <a:schemeClr val="tx1"/>
-                      </a:solidFill>
-                      <a:prstDash val="solid"/>
-                      <a:round/>
-                      <a:headEnd type="none" w="med" len="med"/>
-                      <a:tailEnd type="none" w="med" len="med"/>
-                    </a:lnT>
-                    <a:lnB w="12700" cap="flat" cmpd="sng" algn="ctr">
-                      <a:solidFill>
-                        <a:schemeClr val="tx1"/>
-                      </a:solidFill>
-                      <a:prstDash val="solid"/>
-                      <a:round/>
-                      <a:headEnd type="none" w="med" len="med"/>
-                      <a:tailEnd type="none" w="med" len="med"/>
-                    </a:lnB>
-                    <a:solidFill>
-                      <a:schemeClr val="bg1"/>
-                    </a:solidFill>
-                  </a:tcPr>
-                </a:tc>
-                <a:tc hMerge="1">
-                  <a:txBody>
-                    <a:bodyPr/>
-                    <a:lstStyle/>
-                    <a:p>
-                      <a:endParaRPr lang="zh-TW" altLang="en-US"/>
-                    </a:p>
-                  </a:txBody>
-                  <a:tcPr/>
-                </a:tc>
-              </a:tr>
-              <a:tr h="386410">
-                <a:tc gridSpan="2">
-                  <a:txBody>
-                    <a:bodyPr/>
-                    <a:lstStyle/>
-                    <a:p>
-                      <a:r>
-                        <a:rPr lang="en-US" altLang="zh-TW" dirty="0" smtClean="0">
-                          <a:latin typeface="微軟正黑體" panose="020B0604030504040204" pitchFamily="34" charset="-120"/>
-                          <a:ea typeface="微軟正黑體" panose="020B0604030504040204" pitchFamily="34" charset="-120"/>
-                        </a:rPr>
-                        <a:t>Title</a:t>
-                      </a:r>
-                      <a:endParaRPr lang="zh-TW" altLang="en-US" dirty="0">
-                        <a:latin typeface="微軟正黑體" panose="020B0604030504040204" pitchFamily="34" charset="-120"/>
-                        <a:ea typeface="微軟正黑體" panose="020B0604030504040204" pitchFamily="34" charset="-120"/>
-                      </a:endParaRPr>
-                    </a:p>
-                  </a:txBody>
-                  <a:tcPr anchor="ctr">
-                    <a:lnL w="12700" cap="flat" cmpd="sng" algn="ctr">
-                      <a:solidFill>
-                        <a:schemeClr val="tx1"/>
-                      </a:solidFill>
-                      <a:prstDash val="solid"/>
-                      <a:round/>
-                      <a:headEnd type="none" w="med" len="med"/>
-                      <a:tailEnd type="none" w="med" len="med"/>
-                    </a:lnL>
-                    <a:lnR w="12700" cap="flat" cmpd="sng" algn="ctr">
-                      <a:solidFill>
-                        <a:schemeClr val="tx1"/>
-                      </a:solidFill>
-                      <a:prstDash val="solid"/>
-                      <a:round/>
-                      <a:headEnd type="none" w="med" len="med"/>
-                      <a:tailEnd type="none" w="med" len="med"/>
-                    </a:lnR>
-                    <a:lnT w="12700" cap="flat" cmpd="sng" algn="ctr">
-                      <a:solidFill>
-                        <a:schemeClr val="tx1"/>
-                      </a:solidFill>
-                      <a:prstDash val="solid"/>
-                      <a:round/>
-                      <a:headEnd type="none" w="med" len="med"/>
-                      <a:tailEnd type="none" w="med" len="med"/>
-                    </a:lnT>
-                    <a:lnB w="12700" cap="flat" cmpd="sng" algn="ctr">
-                      <a:solidFill>
-                        <a:schemeClr val="tx1"/>
-                      </a:solidFill>
-                      <a:prstDash val="solid"/>
-                      <a:round/>
-                      <a:headEnd type="none" w="med" len="med"/>
-                      <a:tailEnd type="none" w="med" len="med"/>
-                    </a:lnB>
-                    <a:solidFill>
-                      <a:schemeClr val="bg1"/>
-                    </a:solidFill>
-                  </a:tcPr>
-                </a:tc>
-                <a:tc hMerge="1">
-                  <a:txBody>
-                    <a:bodyPr/>
-                    <a:lstStyle/>
-                    <a:p>
-                      <a:endParaRPr lang="zh-TW" altLang="en-US"/>
-                    </a:p>
-                  </a:txBody>
-                  <a:tcPr/>
-                </a:tc>
-              </a:tr>
-              <a:tr h="386410">
-                <a:tc>
-                  <a:txBody>
-                    <a:bodyPr/>
-                    <a:lstStyle/>
-                    <a:p>
-                      <a:pPr marL="0" marR="0" indent="0" algn="l" defTabSz="914400" rtl="0" eaLnBrk="1" fontAlgn="auto" latinLnBrk="0" hangingPunct="1">
-                        <a:lnSpc>
-                          <a:spcPct val="100000"/>
-                        </a:lnSpc>
-                        <a:spcBef>
-                          <a:spcPts val="0"/>
-                        </a:spcBef>
-                        <a:spcAft>
-                          <a:spcPts val="0"/>
-                        </a:spcAft>
-                        <a:buClrTx/>
-                        <a:buSzTx/>
-                        <a:buFontTx/>
-                        <a:buNone/>
-                        <a:tabLst/>
-                        <a:defRPr/>
-                      </a:pPr>
-                      <a:r>
-                        <a:rPr lang="zh-TW" altLang="en-US" dirty="0" smtClean="0">
-                          <a:latin typeface="微軟正黑體" panose="020B0604030504040204" pitchFamily="34" charset="-120"/>
-                          <a:ea typeface="微軟正黑體" panose="020B0604030504040204" pitchFamily="34" charset="-120"/>
-                        </a:rPr>
-                        <a:t>時間 </a:t>
-                      </a:r>
-                      <a:r>
-                        <a:rPr lang="en-US" altLang="zh-TW" dirty="0" smtClean="0">
-                          <a:latin typeface="微軟正黑體" panose="020B0604030504040204" pitchFamily="34" charset="-120"/>
-                          <a:ea typeface="微軟正黑體" panose="020B0604030504040204" pitchFamily="34" charset="-120"/>
-                        </a:rPr>
-                        <a:t>: </a:t>
-                      </a:r>
-                      <a:r>
-                        <a:rPr lang="en-US" altLang="zh-TW" sz="1800" dirty="0" smtClean="0">
-                          <a:latin typeface="微軟正黑體" panose="020B0604030504040204" pitchFamily="34" charset="-120"/>
-                          <a:ea typeface="微軟正黑體" panose="020B0604030504040204" pitchFamily="34" charset="-120"/>
-                        </a:rPr>
-                        <a:t>17:00~19:25</a:t>
-                      </a:r>
-                      <a:endParaRPr lang="zh-TW" altLang="en-US" sz="1800" dirty="0" smtClean="0">
-                        <a:latin typeface="微軟正黑體" panose="020B0604030504040204" pitchFamily="34" charset="-120"/>
-                        <a:ea typeface="微軟正黑體" panose="020B0604030504040204" pitchFamily="34" charset="-120"/>
-                      </a:endParaRPr>
-                    </a:p>
-                  </a:txBody>
-                  <a:tcPr anchor="ctr">
-                    <a:lnL w="12700" cap="flat" cmpd="sng" algn="ctr">
-                      <a:solidFill>
-                        <a:schemeClr val="tx1"/>
-                      </a:solidFill>
-                      <a:prstDash val="solid"/>
-                      <a:round/>
-                      <a:headEnd type="none" w="med" len="med"/>
-                      <a:tailEnd type="none" w="med" len="med"/>
-                    </a:lnL>
-                    <a:lnR w="12700" cap="flat" cmpd="sng" algn="ctr">
-                      <a:solidFill>
-                        <a:schemeClr val="tx1"/>
-                      </a:solidFill>
-                      <a:prstDash val="solid"/>
-                      <a:round/>
-                      <a:headEnd type="none" w="med" len="med"/>
-                      <a:tailEnd type="none" w="med" len="med"/>
-                    </a:lnR>
-                    <a:lnT w="12700" cap="flat" cmpd="sng" algn="ctr">
-                      <a:solidFill>
-                        <a:schemeClr val="tx1"/>
-                      </a:solidFill>
-                      <a:prstDash val="solid"/>
-                      <a:round/>
-                      <a:headEnd type="none" w="med" len="med"/>
-                      <a:tailEnd type="none" w="med" len="med"/>
-                    </a:lnT>
-                    <a:lnB w="12700" cap="flat" cmpd="sng" algn="ctr">
-                      <a:solidFill>
-                        <a:schemeClr val="tx1"/>
-                      </a:solidFill>
-                      <a:prstDash val="solid"/>
-                      <a:round/>
-                      <a:headEnd type="none" w="med" len="med"/>
-                      <a:tailEnd type="none" w="med" len="med"/>
-                    </a:lnB>
-                    <a:solidFill>
-                      <a:schemeClr val="bg1"/>
-                    </a:solidFill>
-                  </a:tcPr>
-                </a:tc>
-                <a:tc>
-                  <a:txBody>
-                    <a:bodyPr/>
-                    <a:lstStyle/>
-                    <a:p>
-                      <a:r>
-                        <a:rPr lang="zh-TW" altLang="en-US" dirty="0" smtClean="0">
-                          <a:latin typeface="微軟正黑體" panose="020B0604030504040204" pitchFamily="34" charset="-120"/>
-                          <a:ea typeface="微軟正黑體" panose="020B0604030504040204" pitchFamily="34" charset="-120"/>
-                        </a:rPr>
-                        <a:t>地點 </a:t>
-                      </a:r>
-                      <a:r>
-                        <a:rPr lang="en-US" altLang="zh-TW" dirty="0" smtClean="0">
-                          <a:latin typeface="微軟正黑體" panose="020B0604030504040204" pitchFamily="34" charset="-120"/>
-                          <a:ea typeface="微軟正黑體" panose="020B0604030504040204" pitchFamily="34" charset="-120"/>
-                        </a:rPr>
-                        <a:t>: </a:t>
-                      </a:r>
-                      <a:endParaRPr lang="zh-TW" altLang="en-US" dirty="0">
-                        <a:latin typeface="微軟正黑體" panose="020B0604030504040204" pitchFamily="34" charset="-120"/>
-                        <a:ea typeface="微軟正黑體" panose="020B0604030504040204" pitchFamily="34" charset="-120"/>
-                      </a:endParaRPr>
-                    </a:p>
-                  </a:txBody>
-                  <a:tcPr anchor="ctr">
-                    <a:lnL w="12700" cap="flat" cmpd="sng" algn="ctr">
-                      <a:solidFill>
-                        <a:schemeClr val="tx1"/>
-                      </a:solidFill>
-                      <a:prstDash val="solid"/>
-                      <a:round/>
-                      <a:headEnd type="none" w="med" len="med"/>
-                      <a:tailEnd type="none" w="med" len="med"/>
-                    </a:lnL>
-                    <a:lnR w="12700" cap="flat" cmpd="sng" algn="ctr">
-                      <a:solidFill>
-                        <a:schemeClr val="tx1"/>
-                      </a:solidFill>
-                      <a:prstDash val="solid"/>
-                      <a:round/>
-                      <a:headEnd type="none" w="med" len="med"/>
-                      <a:tailEnd type="none" w="med" len="med"/>
-                    </a:lnR>
-                    <a:lnT w="12700" cap="flat" cmpd="sng" algn="ctr">
-                      <a:solidFill>
-                        <a:schemeClr val="tx1"/>
-                      </a:solidFill>
-                      <a:prstDash val="solid"/>
-                      <a:round/>
-                      <a:headEnd type="none" w="med" len="med"/>
-                      <a:tailEnd type="none" w="med" len="med"/>
-                    </a:lnT>
-                    <a:lnB w="12700" cap="flat" cmpd="sng" algn="ctr">
-                      <a:solidFill>
-                        <a:schemeClr val="tx1"/>
-                      </a:solidFill>
-                      <a:prstDash val="solid"/>
-                      <a:round/>
-                      <a:headEnd type="none" w="med" len="med"/>
-                      <a:tailEnd type="none" w="med" len="med"/>
-                    </a:lnB>
-                    <a:solidFill>
-                      <a:schemeClr val="bg1"/>
-                    </a:solidFill>
-                  </a:tcPr>
-                </a:tc>
-              </a:tr>
-              <a:tr h="386410">
-                <a:tc gridSpan="2">
-                  <a:txBody>
-                    <a:bodyPr/>
-                    <a:lstStyle/>
-                    <a:p>
-                      <a:r>
-                        <a:rPr lang="zh-TW" altLang="en-US" dirty="0" smtClean="0">
-                          <a:latin typeface="微軟正黑體" panose="020B0604030504040204" pitchFamily="34" charset="-120"/>
-                          <a:ea typeface="微軟正黑體" panose="020B0604030504040204" pitchFamily="34" charset="-120"/>
-                        </a:rPr>
-                        <a:t>預計</a:t>
-                      </a:r>
-                      <a:r>
-                        <a:rPr lang="en-US" altLang="zh-TW" dirty="0" smtClean="0">
-                          <a:latin typeface="微軟正黑體" panose="020B0604030504040204" pitchFamily="34" charset="-120"/>
-                          <a:ea typeface="微軟正黑體" panose="020B0604030504040204" pitchFamily="34" charset="-120"/>
-                        </a:rPr>
-                        <a:t>/</a:t>
-                      </a:r>
-                      <a:r>
-                        <a:rPr lang="zh-TW" altLang="en-US" dirty="0" smtClean="0">
-                          <a:latin typeface="微軟正黑體" panose="020B0604030504040204" pitchFamily="34" charset="-120"/>
-                          <a:ea typeface="微軟正黑體" panose="020B0604030504040204" pitchFamily="34" charset="-120"/>
-                        </a:rPr>
-                        <a:t>参加人數 </a:t>
-                      </a:r>
-                      <a:r>
-                        <a:rPr lang="en-US" altLang="zh-TW" dirty="0" smtClean="0">
-                          <a:latin typeface="微軟正黑體" panose="020B0604030504040204" pitchFamily="34" charset="-120"/>
-                          <a:ea typeface="微軟正黑體" panose="020B0604030504040204" pitchFamily="34" charset="-120"/>
-                        </a:rPr>
-                        <a:t>:</a:t>
-                      </a:r>
-                      <a:r>
-                        <a:rPr lang="zh-TW" altLang="en-US" dirty="0" smtClean="0">
-                          <a:latin typeface="微軟正黑體" panose="020B0604030504040204" pitchFamily="34" charset="-120"/>
-                          <a:ea typeface="微軟正黑體" panose="020B0604030504040204" pitchFamily="34" charset="-120"/>
-                        </a:rPr>
-                        <a:t> </a:t>
-                      </a:r>
-                      <a:r>
-                        <a:rPr lang="en-US" altLang="zh-TW" dirty="0" smtClean="0">
-                          <a:latin typeface="微軟正黑體" panose="020B0604030504040204" pitchFamily="34" charset="-120"/>
-                          <a:ea typeface="微軟正黑體" panose="020B0604030504040204" pitchFamily="34" charset="-120"/>
-                        </a:rPr>
-                        <a:t>4/10 </a:t>
-                      </a:r>
-                      <a:r>
-                        <a:rPr lang="zh-TW" altLang="en-US" dirty="0" smtClean="0">
-                          <a:latin typeface="微軟正黑體" panose="020B0604030504040204" pitchFamily="34" charset="-120"/>
-                          <a:ea typeface="微軟正黑體" panose="020B0604030504040204" pitchFamily="34" charset="-120"/>
-                        </a:rPr>
-                        <a:t>人</a:t>
-                      </a:r>
-                      <a:endParaRPr lang="zh-TW" altLang="en-US" dirty="0">
-                        <a:latin typeface="微軟正黑體" panose="020B0604030504040204" pitchFamily="34" charset="-120"/>
-                        <a:ea typeface="微軟正黑體" panose="020B0604030504040204" pitchFamily="34" charset="-120"/>
-                      </a:endParaRPr>
-                    </a:p>
-                  </a:txBody>
-                  <a:tcPr anchor="ctr">
-                    <a:lnL w="12700" cap="flat" cmpd="sng" algn="ctr">
-                      <a:solidFill>
-                        <a:schemeClr val="tx1"/>
-                      </a:solidFill>
-                      <a:prstDash val="solid"/>
-                      <a:round/>
-                      <a:headEnd type="none" w="med" len="med"/>
-                      <a:tailEnd type="none" w="med" len="med"/>
-                    </a:lnL>
-                    <a:lnR w="12700" cap="flat" cmpd="sng" algn="ctr">
-                      <a:solidFill>
-                        <a:schemeClr val="tx1"/>
-                      </a:solidFill>
-                      <a:prstDash val="solid"/>
-                      <a:round/>
-                      <a:headEnd type="none" w="med" len="med"/>
-                      <a:tailEnd type="none" w="med" len="med"/>
-                    </a:lnR>
-                    <a:lnT w="12700" cap="flat" cmpd="sng" algn="ctr">
-                      <a:solidFill>
-                        <a:schemeClr val="tx1"/>
-                      </a:solidFill>
-                      <a:prstDash val="solid"/>
-                      <a:round/>
-                      <a:headEnd type="none" w="med" len="med"/>
-                      <a:tailEnd type="none" w="med" len="med"/>
-                    </a:lnT>
-                    <a:lnB w="12700" cap="flat" cmpd="sng" algn="ctr">
-                      <a:solidFill>
-                        <a:schemeClr val="tx1"/>
-                      </a:solidFill>
-                      <a:prstDash val="solid"/>
-                      <a:round/>
-                      <a:headEnd type="none" w="med" len="med"/>
-                      <a:tailEnd type="none" w="med" len="med"/>
-                    </a:lnB>
-                    <a:solidFill>
-                      <a:schemeClr val="bg1"/>
-                    </a:solidFill>
-                  </a:tcPr>
-                </a:tc>
-                <a:tc hMerge="1">
-                  <a:txBody>
-                    <a:bodyPr/>
-                    <a:lstStyle/>
-                    <a:p>
-                      <a:endParaRPr lang="zh-TW" altLang="en-US" dirty="0"/>
-                    </a:p>
-                  </a:txBody>
-                  <a:tcPr>
-                    <a:lnL w="12700" cap="flat" cmpd="sng" algn="ctr">
-                      <a:solidFill>
-                        <a:schemeClr val="tx1"/>
-                      </a:solidFill>
-                      <a:prstDash val="solid"/>
-                      <a:round/>
-                      <a:headEnd type="none" w="med" len="med"/>
-                      <a:tailEnd type="none" w="med" len="med"/>
-                    </a:lnL>
-                    <a:lnR w="12700" cap="flat" cmpd="sng" algn="ctr">
-                      <a:solidFill>
-                        <a:schemeClr val="tx1"/>
-                      </a:solidFill>
-                      <a:prstDash val="solid"/>
-                      <a:round/>
-                      <a:headEnd type="none" w="med" len="med"/>
-                      <a:tailEnd type="none" w="med" len="med"/>
-                    </a:lnR>
-                    <a:lnT w="12700" cap="flat" cmpd="sng" algn="ctr">
-                      <a:solidFill>
-                        <a:schemeClr val="tx1"/>
-                      </a:solidFill>
-                      <a:prstDash val="solid"/>
-                      <a:round/>
-                      <a:headEnd type="none" w="med" len="med"/>
-                      <a:tailEnd type="none" w="med" len="med"/>
-                    </a:lnT>
-                    <a:lnB w="12700" cap="flat" cmpd="sng" algn="ctr">
-                      <a:solidFill>
-                        <a:schemeClr val="tx1"/>
-                      </a:solidFill>
-                      <a:prstDash val="solid"/>
-                      <a:round/>
-                      <a:headEnd type="none" w="med" len="med"/>
-                      <a:tailEnd type="none" w="med" len="med"/>
-                    </a:lnB>
-                    <a:solidFill>
-                      <a:schemeClr val="bg1"/>
-                    </a:solidFill>
-                  </a:tcPr>
-                </a:tc>
-              </a:tr>
-              <a:tr h="1959615">
-                <a:tc gridSpan="2">
-                  <a:txBody>
-                    <a:bodyPr/>
-                    <a:lstStyle/>
-                    <a:p>
-                      <a:r>
-                        <a:rPr lang="zh-TW" altLang="en-US" dirty="0" smtClean="0">
-                          <a:latin typeface="微軟正黑體" panose="020B0604030504040204" pitchFamily="34" charset="-120"/>
-                          <a:ea typeface="微軟正黑體" panose="020B0604030504040204" pitchFamily="34" charset="-120"/>
-                        </a:rPr>
-                        <a:t>描述</a:t>
-                      </a:r>
-                      <a:endParaRPr lang="zh-TW" altLang="en-US" dirty="0">
-                        <a:latin typeface="微軟正黑體" panose="020B0604030504040204" pitchFamily="34" charset="-120"/>
-                        <a:ea typeface="微軟正黑體" panose="020B0604030504040204" pitchFamily="34" charset="-120"/>
-                      </a:endParaRPr>
-                    </a:p>
-                  </a:txBody>
-                  <a:tcPr>
-                    <a:lnL w="12700" cap="flat" cmpd="sng" algn="ctr">
-                      <a:solidFill>
-                        <a:schemeClr val="tx1"/>
-                      </a:solidFill>
-                      <a:prstDash val="solid"/>
-                      <a:round/>
-                      <a:headEnd type="none" w="med" len="med"/>
-                      <a:tailEnd type="none" w="med" len="med"/>
-                    </a:lnL>
-                    <a:lnR w="12700" cap="flat" cmpd="sng" algn="ctr">
-                      <a:solidFill>
-                        <a:schemeClr val="tx1"/>
-                      </a:solidFill>
-                      <a:prstDash val="solid"/>
-                      <a:round/>
-                      <a:headEnd type="none" w="med" len="med"/>
-                      <a:tailEnd type="none" w="med" len="med"/>
-                    </a:lnR>
-                    <a:lnT w="12700" cap="flat" cmpd="sng" algn="ctr">
-                      <a:solidFill>
-                        <a:schemeClr val="tx1"/>
-                      </a:solidFill>
-                      <a:prstDash val="solid"/>
-                      <a:round/>
-                      <a:headEnd type="none" w="med" len="med"/>
-                      <a:tailEnd type="none" w="med" len="med"/>
-                    </a:lnT>
-                    <a:lnB w="12700" cap="flat" cmpd="sng" algn="ctr">
-                      <a:solidFill>
-                        <a:schemeClr val="tx1"/>
-                      </a:solidFill>
-                      <a:prstDash val="solid"/>
-                      <a:round/>
-                      <a:headEnd type="none" w="med" len="med"/>
-                      <a:tailEnd type="none" w="med" len="med"/>
-                    </a:lnB>
-                    <a:solidFill>
-                      <a:schemeClr val="bg1"/>
-                    </a:solidFill>
-                  </a:tcPr>
-                </a:tc>
-                <a:tc hMerge="1">
-                  <a:txBody>
-                    <a:bodyPr/>
-                    <a:lstStyle/>
-                    <a:p>
-                      <a:endParaRPr lang="zh-TW" altLang="en-US"/>
-                    </a:p>
-                  </a:txBody>
-                  <a:tcPr/>
-                </a:tc>
-              </a:tr>
-              <a:tr h="2657476">
-                <a:tc gridSpan="2">
-                  <a:txBody>
-                    <a:bodyPr/>
-                    <a:lstStyle/>
-                    <a:p>
-                      <a:endParaRPr lang="zh-TW" altLang="en-US" dirty="0">
-                        <a:latin typeface="微軟正黑體" panose="020B0604030504040204" pitchFamily="34" charset="-120"/>
-                        <a:ea typeface="微軟正黑體" panose="020B0604030504040204" pitchFamily="34" charset="-120"/>
-                      </a:endParaRPr>
-                    </a:p>
-                  </a:txBody>
-                  <a:tcPr>
-                    <a:lnL w="12700" cap="flat" cmpd="sng" algn="ctr">
-                      <a:solidFill>
-                        <a:schemeClr val="tx1"/>
-                      </a:solidFill>
-                      <a:prstDash val="solid"/>
-                      <a:round/>
-                      <a:headEnd type="none" w="med" len="med"/>
-                      <a:tailEnd type="none" w="med" len="med"/>
-                    </a:lnL>
-                    <a:lnR w="12700" cap="flat" cmpd="sng" algn="ctr">
-                      <a:solidFill>
-                        <a:schemeClr val="tx1"/>
-                      </a:solidFill>
-                      <a:prstDash val="solid"/>
-                      <a:round/>
-                      <a:headEnd type="none" w="med" len="med"/>
-                      <a:tailEnd type="none" w="med" len="med"/>
-                    </a:lnR>
-                    <a:lnT w="12700" cap="flat" cmpd="sng" algn="ctr">
-                      <a:solidFill>
-                        <a:schemeClr val="tx1"/>
-                      </a:solidFill>
-                      <a:prstDash val="solid"/>
-                      <a:round/>
-                      <a:headEnd type="none" w="med" len="med"/>
-                      <a:tailEnd type="none" w="med" len="med"/>
-                    </a:lnT>
-                    <a:lnB w="12700" cap="flat" cmpd="sng" algn="ctr">
-                      <a:solidFill>
-                        <a:schemeClr val="tx1"/>
-                      </a:solidFill>
-                      <a:prstDash val="solid"/>
-                      <a:round/>
-                      <a:headEnd type="none" w="med" len="med"/>
-                      <a:tailEnd type="none" w="med" len="med"/>
-                    </a:lnB>
-                    <a:solidFill>
-                      <a:schemeClr val="bg1"/>
-                    </a:solidFill>
-                  </a:tcPr>
-                </a:tc>
-                <a:tc hMerge="1">
-                  <a:txBody>
-                    <a:bodyPr/>
-                    <a:lstStyle/>
-                    <a:p>
-                      <a:endParaRPr lang="zh-TW" altLang="en-US"/>
-                    </a:p>
-                  </a:txBody>
-                  <a:tcPr/>
-                </a:tc>
-              </a:tr>
-            </a:tbl>
-          </a:graphicData>
-        </a:graphic>
-      </p:graphicFrame>
-      <p:pic>
-        <p:nvPicPr>
-          <p:cNvPr id="11" name="圖片 10"/>
-          <p:cNvPicPr>
-            <a:picLocks noChangeAspect="1"/>
-          </p:cNvPicPr>
-          <p:nvPr/>
-        </p:nvPicPr>
-        <p:blipFill rotWithShape="1">
-          <a:blip r:embed="rId2"/>
-          <a:srcRect l="4445"/>
-          <a:stretch/>
-        </p:blipFill>
-        <p:spPr>
-          <a:xfrm>
-            <a:off x="4419552" y="3889688"/>
-            <a:ext cx="4695845" cy="2600012"/>
-          </a:xfrm>
-          <a:prstGeom prst="rect">
-            <a:avLst/>
-          </a:prstGeom>
-        </p:spPr>
-      </p:pic>
-      <p:sp>
-        <p:nvSpPr>
-          <p:cNvPr id="5" name="圓角化同側角落矩形 4"/>
-          <p:cNvSpPr/>
-          <p:nvPr/>
-        </p:nvSpPr>
-        <p:spPr>
-          <a:xfrm>
-            <a:off x="4485835" y="436369"/>
-            <a:ext cx="1008994" cy="305184"/>
-          </a:xfrm>
-          <a:prstGeom prst="round2SameRect">
-            <a:avLst/>
-          </a:prstGeom>
-          <a:solidFill>
-            <a:srgbClr val="A5A5A5"/>
-          </a:solidFill>
-          <a:ln>
-            <a:noFill/>
-          </a:ln>
-        </p:spPr>
-        <p:style>
-          <a:lnRef idx="2">
-            <a:schemeClr val="accent6">
-              <a:shade val="50000"/>
-            </a:schemeClr>
-          </a:lnRef>
-          <a:fillRef idx="1">
-            <a:schemeClr val="accent6"/>
-          </a:fillRef>
-          <a:effectRef idx="0">
-            <a:schemeClr val="accent6"/>
-          </a:effectRef>
-          <a:fontRef idx="minor">
-            <a:schemeClr val="lt1"/>
-          </a:fontRef>
-        </p:style>
-        <p:txBody>
-          <a:bodyPr rtlCol="0" anchor="ctr"/>
-          <a:lstStyle/>
-          <a:p>
-            <a:pPr algn="ctr"/>
-            <a:r>
-              <a:rPr lang="zh-TW" altLang="en-US" sz="1200" dirty="0" smtClean="0"/>
-              <a:t>看看逛</a:t>
-            </a:r>
-            <a:r>
-              <a:rPr lang="zh-TW" altLang="en-US" sz="1200" dirty="0"/>
-              <a:t>逛</a:t>
-            </a:r>
-          </a:p>
-        </p:txBody>
-      </p:sp>
-      <p:sp>
-        <p:nvSpPr>
-          <p:cNvPr id="6" name="圓角化同側角落矩形 5"/>
-          <p:cNvSpPr/>
-          <p:nvPr/>
-        </p:nvSpPr>
-        <p:spPr>
-          <a:xfrm>
-            <a:off x="5669844" y="436370"/>
-            <a:ext cx="1008994" cy="305184"/>
-          </a:xfrm>
-          <a:prstGeom prst="round2SameRect">
-            <a:avLst/>
-          </a:prstGeom>
-          <a:solidFill>
-            <a:srgbClr val="A5A5A5"/>
-          </a:solidFill>
-          <a:ln>
-            <a:noFill/>
-          </a:ln>
-        </p:spPr>
-        <p:style>
-          <a:lnRef idx="2">
-            <a:schemeClr val="accent3">
-              <a:shade val="50000"/>
-            </a:schemeClr>
-          </a:lnRef>
-          <a:fillRef idx="1">
-            <a:schemeClr val="accent3"/>
-          </a:fillRef>
-          <a:effectRef idx="0">
-            <a:schemeClr val="accent3"/>
-          </a:effectRef>
-          <a:fontRef idx="minor">
-            <a:schemeClr val="lt1"/>
-          </a:fontRef>
-        </p:style>
-        <p:txBody>
-          <a:bodyPr rtlCol="0" anchor="ctr"/>
-          <a:lstStyle/>
-          <a:p>
-            <a:pPr algn="ctr"/>
-            <a:r>
-              <a:rPr lang="zh-TW" altLang="en-US" sz="1200" dirty="0" smtClean="0"/>
-              <a:t>參加的團</a:t>
-            </a:r>
-            <a:endParaRPr lang="zh-TW" altLang="en-US" sz="1200" dirty="0"/>
-          </a:p>
-        </p:txBody>
-      </p:sp>
-      <p:sp>
-        <p:nvSpPr>
-          <p:cNvPr id="7" name="圓角化同側角落矩形 6"/>
-          <p:cNvSpPr/>
-          <p:nvPr/>
-        </p:nvSpPr>
-        <p:spPr>
-          <a:xfrm>
-            <a:off x="6853853" y="436643"/>
-            <a:ext cx="1008994" cy="305184"/>
-          </a:xfrm>
-          <a:prstGeom prst="round2SameRect">
-            <a:avLst/>
-          </a:prstGeom>
-          <a:solidFill>
-            <a:srgbClr val="70AD47"/>
-          </a:solidFill>
-          <a:ln>
-            <a:noFill/>
-          </a:ln>
-        </p:spPr>
-        <p:style>
-          <a:lnRef idx="2">
-            <a:schemeClr val="accent3">
-              <a:shade val="50000"/>
-            </a:schemeClr>
-          </a:lnRef>
-          <a:fillRef idx="1">
-            <a:schemeClr val="accent3"/>
-          </a:fillRef>
-          <a:effectRef idx="0">
-            <a:schemeClr val="accent3"/>
-          </a:effectRef>
-          <a:fontRef idx="minor">
-            <a:schemeClr val="lt1"/>
-          </a:fontRef>
-        </p:style>
-        <p:txBody>
-          <a:bodyPr rtlCol="0" anchor="ctr"/>
-          <a:lstStyle/>
-          <a:p>
-            <a:pPr algn="ctr"/>
-            <a:r>
-              <a:rPr lang="zh-TW" altLang="en-US" sz="1200" dirty="0" smtClean="0"/>
-              <a:t>我揪的團</a:t>
-            </a:r>
-            <a:endParaRPr lang="zh-TW" altLang="en-US" sz="1200" dirty="0"/>
-          </a:p>
-        </p:txBody>
-      </p:sp>
-      <p:sp>
-        <p:nvSpPr>
-          <p:cNvPr id="9" name="圓角化同側角落矩形 8"/>
-          <p:cNvSpPr/>
-          <p:nvPr/>
-        </p:nvSpPr>
-        <p:spPr>
-          <a:xfrm>
-            <a:off x="8037861" y="436613"/>
-            <a:ext cx="1008994" cy="305184"/>
-          </a:xfrm>
-          <a:prstGeom prst="round2SameRect">
-            <a:avLst/>
-          </a:prstGeom>
-          <a:ln>
-            <a:noFill/>
-          </a:ln>
-        </p:spPr>
-        <p:style>
-          <a:lnRef idx="2">
-            <a:schemeClr val="accent3">
-              <a:shade val="50000"/>
-            </a:schemeClr>
-          </a:lnRef>
-          <a:fillRef idx="1">
-            <a:schemeClr val="accent3"/>
-          </a:fillRef>
-          <a:effectRef idx="0">
-            <a:schemeClr val="accent3"/>
-          </a:effectRef>
-          <a:fontRef idx="minor">
-            <a:schemeClr val="lt1"/>
-          </a:fontRef>
-        </p:style>
-        <p:txBody>
-          <a:bodyPr rtlCol="0" anchor="ctr"/>
-          <a:lstStyle/>
-          <a:p>
-            <a:pPr algn="ctr"/>
-            <a:r>
-              <a:rPr lang="zh-TW" altLang="en-US" sz="1200" dirty="0" smtClean="0"/>
-              <a:t>新</a:t>
-            </a:r>
-            <a:r>
-              <a:rPr lang="zh-TW" altLang="en-US" sz="1200" dirty="0"/>
-              <a:t>增</a:t>
-            </a:r>
-            <a:r>
-              <a:rPr lang="zh-TW" altLang="en-US" sz="1200" dirty="0" smtClean="0"/>
-              <a:t>揪團</a:t>
-            </a:r>
-            <a:endParaRPr lang="zh-TW" altLang="en-US" sz="1200" dirty="0"/>
-          </a:p>
-        </p:txBody>
-      </p:sp>
-      <p:graphicFrame>
-        <p:nvGraphicFramePr>
           <p:cNvPr id="8" name="內容版面配置區 22"/>
           <p:cNvGraphicFramePr>
             <a:graphicFrameLocks/>
@@ -8446,13 +7823,13 @@
           <p:nvPr>
             <p:extLst>
               <p:ext uri="{D42A27DB-BD31-4B8C-83A1-F6EECF244321}">
-                <p14:modId xmlns:p14="http://schemas.microsoft.com/office/powerpoint/2010/main" val="2470611303"/>
+                <p14:modId xmlns:p14="http://schemas.microsoft.com/office/powerpoint/2010/main" val="4278538800"/>
               </p:ext>
             </p:extLst>
           </p:nvPr>
         </p:nvGraphicFramePr>
         <p:xfrm>
-          <a:off x="-609207" y="352368"/>
+          <a:off x="63454" y="352368"/>
           <a:ext cx="4753050" cy="6137332"/>
         </p:xfrm>
         <a:graphic>
@@ -8593,7 +7970,7 @@
                       <a:tailEnd type="none" w="med" len="med"/>
                     </a:lnB>
                     <a:solidFill>
-                      <a:schemeClr val="bg1"/>
+                      <a:srgbClr val="BDD7EE"/>
                     </a:solidFill>
                   </a:tcPr>
                 </a:tc>
@@ -8755,7 +8132,7 @@
         </p:nvSpPr>
         <p:spPr>
           <a:xfrm>
-            <a:off x="-514322" y="436369"/>
+            <a:off x="158339" y="436369"/>
             <a:ext cx="1008994" cy="305184"/>
           </a:xfrm>
           <a:prstGeom prst="round2SameRect">
@@ -8808,7 +8185,7 @@
         </p:nvSpPr>
         <p:spPr>
           <a:xfrm>
-            <a:off x="669687" y="436370"/>
+            <a:off x="1342348" y="436370"/>
             <a:ext cx="1008994" cy="305184"/>
           </a:xfrm>
           <a:prstGeom prst="round2SameRect">
@@ -8858,7 +8235,7 @@
         </p:nvSpPr>
         <p:spPr>
           <a:xfrm>
-            <a:off x="1853696" y="436643"/>
+            <a:off x="2526357" y="436643"/>
             <a:ext cx="1008994" cy="305184"/>
           </a:xfrm>
           <a:prstGeom prst="round2SameRect">
@@ -8908,7 +8285,7 @@
         </p:nvSpPr>
         <p:spPr>
           <a:xfrm>
-            <a:off x="3037704" y="436613"/>
+            <a:off x="3710365" y="436613"/>
             <a:ext cx="1008994" cy="305184"/>
           </a:xfrm>
           <a:prstGeom prst="round2SameRect">
@@ -8964,7 +8341,7 @@
           <p:nvPr/>
         </p:nvPicPr>
         <p:blipFill>
-          <a:blip r:embed="rId3" cstate="print">
+          <a:blip r:embed="rId2" cstate="print">
             <a:extLst>
               <a:ext uri="{28A0092B-C50C-407E-A947-70E740481C1C}">
                 <a14:useLocalDpi xmlns:a14="http://schemas.microsoft.com/office/drawing/2010/main" val="0"/>
@@ -8978,7 +8355,7 @@
         </p:blipFill>
         <p:spPr bwMode="auto">
           <a:xfrm>
-            <a:off x="3273215" y="869584"/>
+            <a:off x="3945876" y="869584"/>
             <a:ext cx="339097" cy="339097"/>
           </a:xfrm>
           <a:prstGeom prst="rect">
@@ -9005,7 +8382,7 @@
           <p:nvPr/>
         </p:nvPicPr>
         <p:blipFill>
-          <a:blip r:embed="rId3" cstate="print">
+          <a:blip r:embed="rId2" cstate="print">
             <a:extLst>
               <a:ext uri="{28A0092B-C50C-407E-A947-70E740481C1C}">
                 <a14:useLocalDpi xmlns:a14="http://schemas.microsoft.com/office/drawing/2010/main" val="0"/>
@@ -9019,86 +8396,8 @@
         </p:blipFill>
         <p:spPr bwMode="auto">
           <a:xfrm>
-            <a:off x="3273214" y="1369493"/>
+            <a:off x="3945875" y="1369493"/>
             <a:ext cx="339097" cy="339097"/>
-          </a:xfrm>
-          <a:prstGeom prst="rect">
-            <a:avLst/>
-          </a:prstGeom>
-          <a:noFill/>
-          <a:extLst>
-            <a:ext uri="{909E8E84-426E-40DD-AFC4-6F175D3DCCD1}">
-              <a14:hiddenFill xmlns:a14="http://schemas.microsoft.com/office/drawing/2010/main">
-                <a:solidFill>
-                  <a:srgbClr val="FFFFFF"/>
-                </a:solidFill>
-              </a14:hiddenFill>
-            </a:ext>
-          </a:extLst>
-        </p:spPr>
-      </p:pic>
-      <p:pic>
-        <p:nvPicPr>
-          <p:cNvPr id="1028" name="Picture 4" descr="http://www.endlessicons.com/wp-content/uploads/2012/12/trash-icon.png"/>
-          <p:cNvPicPr>
-            <a:picLocks noChangeAspect="1" noChangeArrowheads="1"/>
-          </p:cNvPicPr>
-          <p:nvPr/>
-        </p:nvPicPr>
-        <p:blipFill rotWithShape="1">
-          <a:blip r:embed="rId4" cstate="print">
-            <a:extLst>
-              <a:ext uri="{28A0092B-C50C-407E-A947-70E740481C1C}">
-                <a14:useLocalDpi xmlns:a14="http://schemas.microsoft.com/office/drawing/2010/main" val="0"/>
-              </a:ext>
-            </a:extLst>
-          </a:blip>
-          <a:srcRect l="31589" t="29572" r="31433" b="29230"/>
-          <a:stretch/>
-        </p:blipFill>
-        <p:spPr bwMode="auto">
-          <a:xfrm>
-            <a:off x="3714671" y="847148"/>
-            <a:ext cx="347273" cy="386895"/>
-          </a:xfrm>
-          <a:prstGeom prst="rect">
-            <a:avLst/>
-          </a:prstGeom>
-          <a:noFill/>
-          <a:extLst>
-            <a:ext uri="{909E8E84-426E-40DD-AFC4-6F175D3DCCD1}">
-              <a14:hiddenFill xmlns:a14="http://schemas.microsoft.com/office/drawing/2010/main">
-                <a:solidFill>
-                  <a:srgbClr val="FFFFFF"/>
-                </a:solidFill>
-              </a14:hiddenFill>
-            </a:ext>
-          </a:extLst>
-        </p:spPr>
-      </p:pic>
-      <p:pic>
-        <p:nvPicPr>
-          <p:cNvPr id="17" name="Picture 4" descr="http://www.endlessicons.com/wp-content/uploads/2012/12/trash-icon.png"/>
-          <p:cNvPicPr>
-            <a:picLocks noChangeAspect="1" noChangeArrowheads="1"/>
-          </p:cNvPicPr>
-          <p:nvPr/>
-        </p:nvPicPr>
-        <p:blipFill rotWithShape="1">
-          <a:blip r:embed="rId4" cstate="print">
-            <a:extLst>
-              <a:ext uri="{28A0092B-C50C-407E-A947-70E740481C1C}">
-                <a14:useLocalDpi xmlns:a14="http://schemas.microsoft.com/office/drawing/2010/main" val="0"/>
-              </a:ext>
-            </a:extLst>
-          </a:blip>
-          <a:srcRect l="31589" t="29572" r="31433" b="29230"/>
-          <a:stretch/>
-        </p:blipFill>
-        <p:spPr bwMode="auto">
-          <a:xfrm>
-            <a:off x="3726398" y="1331410"/>
-            <a:ext cx="347273" cy="386895"/>
           </a:xfrm>
           <a:prstGeom prst="rect">
             <a:avLst/>
@@ -9125,8 +8424,8 @@
         </p:nvSpPr>
         <p:spPr>
           <a:xfrm>
-            <a:off x="-528350" y="1879117"/>
-            <a:ext cx="4575048" cy="4351338"/>
+            <a:off x="4918863" y="396084"/>
+            <a:ext cx="4124374" cy="2257545"/>
           </a:xfrm>
           <a:prstGeom prst="rect">
             <a:avLst/>
@@ -9369,6 +8668,722 @@
           </a:p>
         </p:txBody>
       </p:sp>
+      <p:pic>
+        <p:nvPicPr>
+          <p:cNvPr id="1028" name="Picture 4" descr="http://www.endlessicons.com/wp-content/uploads/2012/12/trash-icon.png"/>
+          <p:cNvPicPr>
+            <a:picLocks noChangeAspect="1" noChangeArrowheads="1"/>
+          </p:cNvPicPr>
+          <p:nvPr/>
+        </p:nvPicPr>
+        <p:blipFill rotWithShape="1">
+          <a:blip r:embed="rId3" cstate="print">
+            <a:extLst>
+              <a:ext uri="{28A0092B-C50C-407E-A947-70E740481C1C}">
+                <a14:useLocalDpi xmlns:a14="http://schemas.microsoft.com/office/drawing/2010/main" val="0"/>
+              </a:ext>
+            </a:extLst>
+          </a:blip>
+          <a:srcRect l="31589" t="29572" r="31433" b="29230"/>
+          <a:stretch/>
+        </p:blipFill>
+        <p:spPr bwMode="auto">
+          <a:xfrm>
+            <a:off x="4387332" y="847148"/>
+            <a:ext cx="347273" cy="386895"/>
+          </a:xfrm>
+          <a:prstGeom prst="rect">
+            <a:avLst/>
+          </a:prstGeom>
+          <a:noFill/>
+          <a:extLst>
+            <a:ext uri="{909E8E84-426E-40DD-AFC4-6F175D3DCCD1}">
+              <a14:hiddenFill xmlns:a14="http://schemas.microsoft.com/office/drawing/2010/main">
+                <a:solidFill>
+                  <a:srgbClr val="FFFFFF"/>
+                </a:solidFill>
+              </a14:hiddenFill>
+            </a:ext>
+          </a:extLst>
+        </p:spPr>
+      </p:pic>
+      <p:pic>
+        <p:nvPicPr>
+          <p:cNvPr id="17" name="Picture 4" descr="http://www.endlessicons.com/wp-content/uploads/2012/12/trash-icon.png"/>
+          <p:cNvPicPr>
+            <a:picLocks noChangeAspect="1" noChangeArrowheads="1"/>
+          </p:cNvPicPr>
+          <p:nvPr/>
+        </p:nvPicPr>
+        <p:blipFill rotWithShape="1">
+          <a:blip r:embed="rId3" cstate="print">
+            <a:extLst>
+              <a:ext uri="{28A0092B-C50C-407E-A947-70E740481C1C}">
+                <a14:useLocalDpi xmlns:a14="http://schemas.microsoft.com/office/drawing/2010/main" val="0"/>
+              </a:ext>
+            </a:extLst>
+          </a:blip>
+          <a:srcRect l="31589" t="29572" r="31433" b="29230"/>
+          <a:stretch/>
+        </p:blipFill>
+        <p:spPr bwMode="auto">
+          <a:xfrm>
+            <a:off x="4399059" y="1331410"/>
+            <a:ext cx="347273" cy="386895"/>
+          </a:xfrm>
+          <a:prstGeom prst="rect">
+            <a:avLst/>
+          </a:prstGeom>
+          <a:noFill/>
+          <a:extLst>
+            <a:ext uri="{909E8E84-426E-40DD-AFC4-6F175D3DCCD1}">
+              <a14:hiddenFill xmlns:a14="http://schemas.microsoft.com/office/drawing/2010/main">
+                <a:solidFill>
+                  <a:srgbClr val="FFFFFF"/>
+                </a:solidFill>
+              </a14:hiddenFill>
+            </a:ext>
+          </a:extLst>
+        </p:spPr>
+      </p:pic>
+      <p:graphicFrame>
+        <p:nvGraphicFramePr>
+          <p:cNvPr id="10" name="內容版面配置區 22"/>
+          <p:cNvGraphicFramePr>
+            <a:graphicFrameLocks noGrp="1"/>
+          </p:cNvGraphicFramePr>
+          <p:nvPr>
+            <p:ph idx="1"/>
+            <p:extLst>
+              <p:ext uri="{D42A27DB-BD31-4B8C-83A1-F6EECF244321}">
+                <p14:modId xmlns:p14="http://schemas.microsoft.com/office/powerpoint/2010/main" val="1642889389"/>
+              </p:ext>
+            </p:extLst>
+          </p:nvPr>
+        </p:nvGraphicFramePr>
+        <p:xfrm>
+          <a:off x="4390950" y="352369"/>
+          <a:ext cx="4753050" cy="6162731"/>
+        </p:xfrm>
+        <a:graphic>
+          <a:graphicData uri="http://schemas.openxmlformats.org/drawingml/2006/table">
+            <a:tbl>
+              <a:tblPr firstRow="1" bandRow="1">
+                <a:tableStyleId>{5C22544A-7EE6-4342-B048-85BDC9FD1C3A}</a:tableStyleId>
+              </a:tblPr>
+              <a:tblGrid>
+                <a:gridCol w="2376525"/>
+                <a:gridCol w="2376525"/>
+              </a:tblGrid>
+              <a:tr h="386410">
+                <a:tc gridSpan="2">
+                  <a:txBody>
+                    <a:bodyPr/>
+                    <a:lstStyle/>
+                    <a:p>
+                      <a:endParaRPr lang="zh-TW" altLang="en-US" dirty="0">
+                        <a:latin typeface="微軟正黑體" panose="020B0604030504040204" pitchFamily="34" charset="-120"/>
+                        <a:ea typeface="微軟正黑體" panose="020B0604030504040204" pitchFamily="34" charset="-120"/>
+                      </a:endParaRPr>
+                    </a:p>
+                  </a:txBody>
+                  <a:tcPr>
+                    <a:lnL w="12700" cap="flat" cmpd="sng" algn="ctr">
+                      <a:solidFill>
+                        <a:schemeClr val="tx1"/>
+                      </a:solidFill>
+                      <a:prstDash val="solid"/>
+                      <a:round/>
+                      <a:headEnd type="none" w="med" len="med"/>
+                      <a:tailEnd type="none" w="med" len="med"/>
+                    </a:lnL>
+                    <a:lnR w="12700" cap="flat" cmpd="sng" algn="ctr">
+                      <a:solidFill>
+                        <a:schemeClr val="tx1"/>
+                      </a:solidFill>
+                      <a:prstDash val="solid"/>
+                      <a:round/>
+                      <a:headEnd type="none" w="med" len="med"/>
+                      <a:tailEnd type="none" w="med" len="med"/>
+                    </a:lnR>
+                    <a:lnT w="12700" cap="flat" cmpd="sng" algn="ctr">
+                      <a:solidFill>
+                        <a:schemeClr val="tx1"/>
+                      </a:solidFill>
+                      <a:prstDash val="solid"/>
+                      <a:round/>
+                      <a:headEnd type="none" w="med" len="med"/>
+                      <a:tailEnd type="none" w="med" len="med"/>
+                    </a:lnT>
+                    <a:lnB w="12700" cap="flat" cmpd="sng" algn="ctr">
+                      <a:solidFill>
+                        <a:schemeClr val="tx1"/>
+                      </a:solidFill>
+                      <a:prstDash val="solid"/>
+                      <a:round/>
+                      <a:headEnd type="none" w="med" len="med"/>
+                      <a:tailEnd type="none" w="med" len="med"/>
+                    </a:lnB>
+                    <a:solidFill>
+                      <a:schemeClr val="bg1"/>
+                    </a:solidFill>
+                  </a:tcPr>
+                </a:tc>
+                <a:tc hMerge="1">
+                  <a:txBody>
+                    <a:bodyPr/>
+                    <a:lstStyle/>
+                    <a:p>
+                      <a:endParaRPr lang="zh-TW" altLang="en-US"/>
+                    </a:p>
+                  </a:txBody>
+                  <a:tcPr/>
+                </a:tc>
+              </a:tr>
+              <a:tr h="386410">
+                <a:tc gridSpan="2">
+                  <a:txBody>
+                    <a:bodyPr/>
+                    <a:lstStyle/>
+                    <a:p>
+                      <a:pPr algn="l"/>
+                      <a:r>
+                        <a:rPr lang="en-US" altLang="zh-TW" sz="1800" dirty="0" smtClean="0">
+                          <a:solidFill>
+                            <a:schemeClr val="tx1"/>
+                          </a:solidFill>
+                          <a:latin typeface="微軟正黑體" panose="020B0604030504040204" pitchFamily="34" charset="-120"/>
+                          <a:ea typeface="微軟正黑體" panose="020B0604030504040204" pitchFamily="34" charset="-120"/>
+                        </a:rPr>
+                        <a:t>OS</a:t>
+                      </a:r>
+                      <a:r>
+                        <a:rPr lang="zh-TW" altLang="en-US" sz="1800" dirty="0" smtClean="0">
+                          <a:solidFill>
+                            <a:schemeClr val="tx1"/>
+                          </a:solidFill>
+                          <a:latin typeface="微軟正黑體" panose="020B0604030504040204" pitchFamily="34" charset="-120"/>
+                          <a:ea typeface="微軟正黑體" panose="020B0604030504040204" pitchFamily="34" charset="-120"/>
+                        </a:rPr>
+                        <a:t>期末讀書團</a:t>
+                      </a:r>
+                      <a:endParaRPr lang="zh-TW" altLang="en-US" sz="1800" dirty="0">
+                        <a:solidFill>
+                          <a:schemeClr val="tx1"/>
+                        </a:solidFill>
+                        <a:latin typeface="微軟正黑體" panose="020B0604030504040204" pitchFamily="34" charset="-120"/>
+                        <a:ea typeface="微軟正黑體" panose="020B0604030504040204" pitchFamily="34" charset="-120"/>
+                      </a:endParaRPr>
+                    </a:p>
+                  </a:txBody>
+                  <a:tcPr anchor="ctr">
+                    <a:lnL w="12700" cap="flat" cmpd="sng" algn="ctr">
+                      <a:solidFill>
+                        <a:schemeClr val="tx1"/>
+                      </a:solidFill>
+                      <a:prstDash val="solid"/>
+                      <a:round/>
+                      <a:headEnd type="none" w="med" len="med"/>
+                      <a:tailEnd type="none" w="med" len="med"/>
+                    </a:lnL>
+                    <a:lnR w="12700" cap="flat" cmpd="sng" algn="ctr">
+                      <a:solidFill>
+                        <a:schemeClr val="tx1"/>
+                      </a:solidFill>
+                      <a:prstDash val="solid"/>
+                      <a:round/>
+                      <a:headEnd type="none" w="med" len="med"/>
+                      <a:tailEnd type="none" w="med" len="med"/>
+                    </a:lnR>
+                    <a:lnT w="12700" cap="flat" cmpd="sng" algn="ctr">
+                      <a:solidFill>
+                        <a:schemeClr val="tx1"/>
+                      </a:solidFill>
+                      <a:prstDash val="solid"/>
+                      <a:round/>
+                      <a:headEnd type="none" w="med" len="med"/>
+                      <a:tailEnd type="none" w="med" len="med"/>
+                    </a:lnT>
+                    <a:lnB w="12700" cap="flat" cmpd="sng" algn="ctr">
+                      <a:solidFill>
+                        <a:schemeClr val="tx1"/>
+                      </a:solidFill>
+                      <a:prstDash val="solid"/>
+                      <a:round/>
+                      <a:headEnd type="none" w="med" len="med"/>
+                      <a:tailEnd type="none" w="med" len="med"/>
+                    </a:lnB>
+                    <a:solidFill>
+                      <a:schemeClr val="bg1"/>
+                    </a:solidFill>
+                  </a:tcPr>
+                </a:tc>
+                <a:tc hMerge="1">
+                  <a:txBody>
+                    <a:bodyPr/>
+                    <a:lstStyle/>
+                    <a:p>
+                      <a:endParaRPr lang="zh-TW" altLang="en-US"/>
+                    </a:p>
+                  </a:txBody>
+                  <a:tcPr/>
+                </a:tc>
+              </a:tr>
+              <a:tr h="386410">
+                <a:tc>
+                  <a:txBody>
+                    <a:bodyPr/>
+                    <a:lstStyle/>
+                    <a:p>
+                      <a:pPr marL="0" marR="0" indent="0" algn="l" defTabSz="914400" rtl="0" eaLnBrk="1" fontAlgn="auto" latinLnBrk="0" hangingPunct="1">
+                        <a:lnSpc>
+                          <a:spcPct val="100000"/>
+                        </a:lnSpc>
+                        <a:spcBef>
+                          <a:spcPts val="0"/>
+                        </a:spcBef>
+                        <a:spcAft>
+                          <a:spcPts val="0"/>
+                        </a:spcAft>
+                        <a:buClrTx/>
+                        <a:buSzTx/>
+                        <a:buFontTx/>
+                        <a:buNone/>
+                        <a:tabLst/>
+                        <a:defRPr/>
+                      </a:pPr>
+                      <a:r>
+                        <a:rPr lang="zh-TW" altLang="en-US" dirty="0" smtClean="0">
+                          <a:latin typeface="微軟正黑體" panose="020B0604030504040204" pitchFamily="34" charset="-120"/>
+                          <a:ea typeface="微軟正黑體" panose="020B0604030504040204" pitchFamily="34" charset="-120"/>
+                        </a:rPr>
+                        <a:t>時間 </a:t>
+                      </a:r>
+                      <a:r>
+                        <a:rPr lang="en-US" altLang="zh-TW" dirty="0" smtClean="0">
+                          <a:latin typeface="微軟正黑體" panose="020B0604030504040204" pitchFamily="34" charset="-120"/>
+                          <a:ea typeface="微軟正黑體" panose="020B0604030504040204" pitchFamily="34" charset="-120"/>
+                        </a:rPr>
+                        <a:t>: </a:t>
+                      </a:r>
+                      <a:r>
+                        <a:rPr lang="en-US" altLang="zh-TW" sz="1800" dirty="0" smtClean="0">
+                          <a:latin typeface="微軟正黑體" panose="020B0604030504040204" pitchFamily="34" charset="-120"/>
+                          <a:ea typeface="微軟正黑體" panose="020B0604030504040204" pitchFamily="34" charset="-120"/>
+                        </a:rPr>
+                        <a:t>17:00~19:25</a:t>
+                      </a:r>
+                      <a:endParaRPr lang="zh-TW" altLang="en-US" sz="1800" dirty="0" smtClean="0">
+                        <a:latin typeface="微軟正黑體" panose="020B0604030504040204" pitchFamily="34" charset="-120"/>
+                        <a:ea typeface="微軟正黑體" panose="020B0604030504040204" pitchFamily="34" charset="-120"/>
+                      </a:endParaRPr>
+                    </a:p>
+                  </a:txBody>
+                  <a:tcPr anchor="ctr">
+                    <a:lnL w="12700" cap="flat" cmpd="sng" algn="ctr">
+                      <a:solidFill>
+                        <a:schemeClr val="tx1"/>
+                      </a:solidFill>
+                      <a:prstDash val="solid"/>
+                      <a:round/>
+                      <a:headEnd type="none" w="med" len="med"/>
+                      <a:tailEnd type="none" w="med" len="med"/>
+                    </a:lnL>
+                    <a:lnR w="12700" cap="flat" cmpd="sng" algn="ctr">
+                      <a:solidFill>
+                        <a:schemeClr val="tx1"/>
+                      </a:solidFill>
+                      <a:prstDash val="solid"/>
+                      <a:round/>
+                      <a:headEnd type="none" w="med" len="med"/>
+                      <a:tailEnd type="none" w="med" len="med"/>
+                    </a:lnR>
+                    <a:lnT w="12700" cap="flat" cmpd="sng" algn="ctr">
+                      <a:solidFill>
+                        <a:schemeClr val="tx1"/>
+                      </a:solidFill>
+                      <a:prstDash val="solid"/>
+                      <a:round/>
+                      <a:headEnd type="none" w="med" len="med"/>
+                      <a:tailEnd type="none" w="med" len="med"/>
+                    </a:lnT>
+                    <a:lnB w="12700" cap="flat" cmpd="sng" algn="ctr">
+                      <a:solidFill>
+                        <a:schemeClr val="tx1"/>
+                      </a:solidFill>
+                      <a:prstDash val="solid"/>
+                      <a:round/>
+                      <a:headEnd type="none" w="med" len="med"/>
+                      <a:tailEnd type="none" w="med" len="med"/>
+                    </a:lnB>
+                    <a:solidFill>
+                      <a:schemeClr val="bg1"/>
+                    </a:solidFill>
+                  </a:tcPr>
+                </a:tc>
+                <a:tc>
+                  <a:txBody>
+                    <a:bodyPr/>
+                    <a:lstStyle/>
+                    <a:p>
+                      <a:r>
+                        <a:rPr lang="zh-TW" altLang="en-US" dirty="0" smtClean="0">
+                          <a:latin typeface="微軟正黑體" panose="020B0604030504040204" pitchFamily="34" charset="-120"/>
+                          <a:ea typeface="微軟正黑體" panose="020B0604030504040204" pitchFamily="34" charset="-120"/>
+                        </a:rPr>
+                        <a:t>地點 </a:t>
+                      </a:r>
+                      <a:r>
+                        <a:rPr lang="en-US" altLang="zh-TW" dirty="0" smtClean="0">
+                          <a:latin typeface="微軟正黑體" panose="020B0604030504040204" pitchFamily="34" charset="-120"/>
+                          <a:ea typeface="微軟正黑體" panose="020B0604030504040204" pitchFamily="34" charset="-120"/>
+                        </a:rPr>
+                        <a:t>: </a:t>
+                      </a:r>
+                      <a:endParaRPr lang="zh-TW" altLang="en-US" dirty="0">
+                        <a:latin typeface="微軟正黑體" panose="020B0604030504040204" pitchFamily="34" charset="-120"/>
+                        <a:ea typeface="微軟正黑體" panose="020B0604030504040204" pitchFamily="34" charset="-120"/>
+                      </a:endParaRPr>
+                    </a:p>
+                  </a:txBody>
+                  <a:tcPr anchor="ctr">
+                    <a:lnL w="12700" cap="flat" cmpd="sng" algn="ctr">
+                      <a:solidFill>
+                        <a:schemeClr val="tx1"/>
+                      </a:solidFill>
+                      <a:prstDash val="solid"/>
+                      <a:round/>
+                      <a:headEnd type="none" w="med" len="med"/>
+                      <a:tailEnd type="none" w="med" len="med"/>
+                    </a:lnL>
+                    <a:lnR w="12700" cap="flat" cmpd="sng" algn="ctr">
+                      <a:solidFill>
+                        <a:schemeClr val="tx1"/>
+                      </a:solidFill>
+                      <a:prstDash val="solid"/>
+                      <a:round/>
+                      <a:headEnd type="none" w="med" len="med"/>
+                      <a:tailEnd type="none" w="med" len="med"/>
+                    </a:lnR>
+                    <a:lnT w="12700" cap="flat" cmpd="sng" algn="ctr">
+                      <a:solidFill>
+                        <a:schemeClr val="tx1"/>
+                      </a:solidFill>
+                      <a:prstDash val="solid"/>
+                      <a:round/>
+                      <a:headEnd type="none" w="med" len="med"/>
+                      <a:tailEnd type="none" w="med" len="med"/>
+                    </a:lnT>
+                    <a:lnB w="12700" cap="flat" cmpd="sng" algn="ctr">
+                      <a:solidFill>
+                        <a:schemeClr val="tx1"/>
+                      </a:solidFill>
+                      <a:prstDash val="solid"/>
+                      <a:round/>
+                      <a:headEnd type="none" w="med" len="med"/>
+                      <a:tailEnd type="none" w="med" len="med"/>
+                    </a:lnB>
+                    <a:solidFill>
+                      <a:schemeClr val="bg1"/>
+                    </a:solidFill>
+                  </a:tcPr>
+                </a:tc>
+              </a:tr>
+              <a:tr h="386410">
+                <a:tc gridSpan="2">
+                  <a:txBody>
+                    <a:bodyPr/>
+                    <a:lstStyle/>
+                    <a:p>
+                      <a:r>
+                        <a:rPr lang="zh-TW" altLang="en-US" dirty="0" smtClean="0">
+                          <a:latin typeface="微軟正黑體" panose="020B0604030504040204" pitchFamily="34" charset="-120"/>
+                          <a:ea typeface="微軟正黑體" panose="020B0604030504040204" pitchFamily="34" charset="-120"/>
+                        </a:rPr>
+                        <a:t>預計</a:t>
+                      </a:r>
+                      <a:r>
+                        <a:rPr lang="en-US" altLang="zh-TW" dirty="0" smtClean="0">
+                          <a:latin typeface="微軟正黑體" panose="020B0604030504040204" pitchFamily="34" charset="-120"/>
+                          <a:ea typeface="微軟正黑體" panose="020B0604030504040204" pitchFamily="34" charset="-120"/>
+                        </a:rPr>
+                        <a:t>/</a:t>
+                      </a:r>
+                      <a:r>
+                        <a:rPr lang="zh-TW" altLang="en-US" dirty="0" smtClean="0">
+                          <a:latin typeface="微軟正黑體" panose="020B0604030504040204" pitchFamily="34" charset="-120"/>
+                          <a:ea typeface="微軟正黑體" panose="020B0604030504040204" pitchFamily="34" charset="-120"/>
+                        </a:rPr>
+                        <a:t>参加人數 </a:t>
+                      </a:r>
+                      <a:r>
+                        <a:rPr lang="en-US" altLang="zh-TW" dirty="0" smtClean="0">
+                          <a:latin typeface="微軟正黑體" panose="020B0604030504040204" pitchFamily="34" charset="-120"/>
+                          <a:ea typeface="微軟正黑體" panose="020B0604030504040204" pitchFamily="34" charset="-120"/>
+                        </a:rPr>
+                        <a:t>:</a:t>
+                      </a:r>
+                      <a:r>
+                        <a:rPr lang="zh-TW" altLang="en-US" dirty="0" smtClean="0">
+                          <a:latin typeface="微軟正黑體" panose="020B0604030504040204" pitchFamily="34" charset="-120"/>
+                          <a:ea typeface="微軟正黑體" panose="020B0604030504040204" pitchFamily="34" charset="-120"/>
+                        </a:rPr>
+                        <a:t> </a:t>
+                      </a:r>
+                      <a:r>
+                        <a:rPr lang="en-US" altLang="zh-TW" dirty="0" smtClean="0">
+                          <a:latin typeface="微軟正黑體" panose="020B0604030504040204" pitchFamily="34" charset="-120"/>
+                          <a:ea typeface="微軟正黑體" panose="020B0604030504040204" pitchFamily="34" charset="-120"/>
+                        </a:rPr>
+                        <a:t>4/10 </a:t>
+                      </a:r>
+                      <a:r>
+                        <a:rPr lang="zh-TW" altLang="en-US" dirty="0" smtClean="0">
+                          <a:latin typeface="微軟正黑體" panose="020B0604030504040204" pitchFamily="34" charset="-120"/>
+                          <a:ea typeface="微軟正黑體" panose="020B0604030504040204" pitchFamily="34" charset="-120"/>
+                        </a:rPr>
+                        <a:t>人</a:t>
+                      </a:r>
+                      <a:endParaRPr lang="zh-TW" altLang="en-US" dirty="0">
+                        <a:latin typeface="微軟正黑體" panose="020B0604030504040204" pitchFamily="34" charset="-120"/>
+                        <a:ea typeface="微軟正黑體" panose="020B0604030504040204" pitchFamily="34" charset="-120"/>
+                      </a:endParaRPr>
+                    </a:p>
+                  </a:txBody>
+                  <a:tcPr anchor="ctr">
+                    <a:lnL w="12700" cap="flat" cmpd="sng" algn="ctr">
+                      <a:solidFill>
+                        <a:schemeClr val="tx1"/>
+                      </a:solidFill>
+                      <a:prstDash val="solid"/>
+                      <a:round/>
+                      <a:headEnd type="none" w="med" len="med"/>
+                      <a:tailEnd type="none" w="med" len="med"/>
+                    </a:lnL>
+                    <a:lnR w="12700" cap="flat" cmpd="sng" algn="ctr">
+                      <a:solidFill>
+                        <a:schemeClr val="tx1"/>
+                      </a:solidFill>
+                      <a:prstDash val="solid"/>
+                      <a:round/>
+                      <a:headEnd type="none" w="med" len="med"/>
+                      <a:tailEnd type="none" w="med" len="med"/>
+                    </a:lnR>
+                    <a:lnT w="12700" cap="flat" cmpd="sng" algn="ctr">
+                      <a:solidFill>
+                        <a:schemeClr val="tx1"/>
+                      </a:solidFill>
+                      <a:prstDash val="solid"/>
+                      <a:round/>
+                      <a:headEnd type="none" w="med" len="med"/>
+                      <a:tailEnd type="none" w="med" len="med"/>
+                    </a:lnT>
+                    <a:lnB w="12700" cap="flat" cmpd="sng" algn="ctr">
+                      <a:solidFill>
+                        <a:schemeClr val="tx1"/>
+                      </a:solidFill>
+                      <a:prstDash val="solid"/>
+                      <a:round/>
+                      <a:headEnd type="none" w="med" len="med"/>
+                      <a:tailEnd type="none" w="med" len="med"/>
+                    </a:lnB>
+                    <a:solidFill>
+                      <a:schemeClr val="bg1"/>
+                    </a:solidFill>
+                  </a:tcPr>
+                </a:tc>
+                <a:tc hMerge="1">
+                  <a:txBody>
+                    <a:bodyPr/>
+                    <a:lstStyle/>
+                    <a:p>
+                      <a:endParaRPr lang="zh-TW" altLang="en-US" dirty="0"/>
+                    </a:p>
+                  </a:txBody>
+                  <a:tcPr>
+                    <a:lnL w="12700" cap="flat" cmpd="sng" algn="ctr">
+                      <a:solidFill>
+                        <a:schemeClr val="tx1"/>
+                      </a:solidFill>
+                      <a:prstDash val="solid"/>
+                      <a:round/>
+                      <a:headEnd type="none" w="med" len="med"/>
+                      <a:tailEnd type="none" w="med" len="med"/>
+                    </a:lnL>
+                    <a:lnR w="12700" cap="flat" cmpd="sng" algn="ctr">
+                      <a:solidFill>
+                        <a:schemeClr val="tx1"/>
+                      </a:solidFill>
+                      <a:prstDash val="solid"/>
+                      <a:round/>
+                      <a:headEnd type="none" w="med" len="med"/>
+                      <a:tailEnd type="none" w="med" len="med"/>
+                    </a:lnR>
+                    <a:lnT w="12700" cap="flat" cmpd="sng" algn="ctr">
+                      <a:solidFill>
+                        <a:schemeClr val="tx1"/>
+                      </a:solidFill>
+                      <a:prstDash val="solid"/>
+                      <a:round/>
+                      <a:headEnd type="none" w="med" len="med"/>
+                      <a:tailEnd type="none" w="med" len="med"/>
+                    </a:lnT>
+                    <a:lnB w="12700" cap="flat" cmpd="sng" algn="ctr">
+                      <a:solidFill>
+                        <a:schemeClr val="tx1"/>
+                      </a:solidFill>
+                      <a:prstDash val="solid"/>
+                      <a:round/>
+                      <a:headEnd type="none" w="med" len="med"/>
+                      <a:tailEnd type="none" w="med" len="med"/>
+                    </a:lnB>
+                    <a:solidFill>
+                      <a:schemeClr val="bg1"/>
+                    </a:solidFill>
+                  </a:tcPr>
+                </a:tc>
+              </a:tr>
+              <a:tr h="1959615">
+                <a:tc gridSpan="2">
+                  <a:txBody>
+                    <a:bodyPr/>
+                    <a:lstStyle/>
+                    <a:p>
+                      <a:r>
+                        <a:rPr lang="zh-TW" altLang="en-US" dirty="0" smtClean="0">
+                          <a:latin typeface="微軟正黑體" panose="020B0604030504040204" pitchFamily="34" charset="-120"/>
+                          <a:ea typeface="微軟正黑體" panose="020B0604030504040204" pitchFamily="34" charset="-120"/>
+                        </a:rPr>
+                        <a:t>描述</a:t>
+                      </a:r>
+                      <a:endParaRPr lang="zh-TW" altLang="en-US" dirty="0">
+                        <a:latin typeface="微軟正黑體" panose="020B0604030504040204" pitchFamily="34" charset="-120"/>
+                        <a:ea typeface="微軟正黑體" panose="020B0604030504040204" pitchFamily="34" charset="-120"/>
+                      </a:endParaRPr>
+                    </a:p>
+                  </a:txBody>
+                  <a:tcPr>
+                    <a:lnL w="12700" cap="flat" cmpd="sng" algn="ctr">
+                      <a:solidFill>
+                        <a:schemeClr val="tx1"/>
+                      </a:solidFill>
+                      <a:prstDash val="solid"/>
+                      <a:round/>
+                      <a:headEnd type="none" w="med" len="med"/>
+                      <a:tailEnd type="none" w="med" len="med"/>
+                    </a:lnL>
+                    <a:lnR w="12700" cap="flat" cmpd="sng" algn="ctr">
+                      <a:solidFill>
+                        <a:schemeClr val="tx1"/>
+                      </a:solidFill>
+                      <a:prstDash val="solid"/>
+                      <a:round/>
+                      <a:headEnd type="none" w="med" len="med"/>
+                      <a:tailEnd type="none" w="med" len="med"/>
+                    </a:lnR>
+                    <a:lnT w="12700" cap="flat" cmpd="sng" algn="ctr">
+                      <a:solidFill>
+                        <a:schemeClr val="tx1"/>
+                      </a:solidFill>
+                      <a:prstDash val="solid"/>
+                      <a:round/>
+                      <a:headEnd type="none" w="med" len="med"/>
+                      <a:tailEnd type="none" w="med" len="med"/>
+                    </a:lnT>
+                    <a:lnB w="12700" cap="flat" cmpd="sng" algn="ctr">
+                      <a:solidFill>
+                        <a:schemeClr val="tx1"/>
+                      </a:solidFill>
+                      <a:prstDash val="solid"/>
+                      <a:round/>
+                      <a:headEnd type="none" w="med" len="med"/>
+                      <a:tailEnd type="none" w="med" len="med"/>
+                    </a:lnB>
+                    <a:solidFill>
+                      <a:schemeClr val="bg1"/>
+                    </a:solidFill>
+                  </a:tcPr>
+                </a:tc>
+                <a:tc hMerge="1">
+                  <a:txBody>
+                    <a:bodyPr/>
+                    <a:lstStyle/>
+                    <a:p>
+                      <a:endParaRPr lang="zh-TW" altLang="en-US"/>
+                    </a:p>
+                  </a:txBody>
+                  <a:tcPr/>
+                </a:tc>
+              </a:tr>
+              <a:tr h="2657476">
+                <a:tc gridSpan="2">
+                  <a:txBody>
+                    <a:bodyPr/>
+                    <a:lstStyle/>
+                    <a:p>
+                      <a:endParaRPr lang="zh-TW" altLang="en-US" dirty="0">
+                        <a:latin typeface="微軟正黑體" panose="020B0604030504040204" pitchFamily="34" charset="-120"/>
+                        <a:ea typeface="微軟正黑體" panose="020B0604030504040204" pitchFamily="34" charset="-120"/>
+                      </a:endParaRPr>
+                    </a:p>
+                  </a:txBody>
+                  <a:tcPr>
+                    <a:lnL w="12700" cap="flat" cmpd="sng" algn="ctr">
+                      <a:solidFill>
+                        <a:schemeClr val="tx1"/>
+                      </a:solidFill>
+                      <a:prstDash val="solid"/>
+                      <a:round/>
+                      <a:headEnd type="none" w="med" len="med"/>
+                      <a:tailEnd type="none" w="med" len="med"/>
+                    </a:lnL>
+                    <a:lnR w="12700" cap="flat" cmpd="sng" algn="ctr">
+                      <a:solidFill>
+                        <a:schemeClr val="tx1"/>
+                      </a:solidFill>
+                      <a:prstDash val="solid"/>
+                      <a:round/>
+                      <a:headEnd type="none" w="med" len="med"/>
+                      <a:tailEnd type="none" w="med" len="med"/>
+                    </a:lnR>
+                    <a:lnT w="12700" cap="flat" cmpd="sng" algn="ctr">
+                      <a:solidFill>
+                        <a:schemeClr val="tx1"/>
+                      </a:solidFill>
+                      <a:prstDash val="solid"/>
+                      <a:round/>
+                      <a:headEnd type="none" w="med" len="med"/>
+                      <a:tailEnd type="none" w="med" len="med"/>
+                    </a:lnT>
+                    <a:lnB w="12700" cap="flat" cmpd="sng" algn="ctr">
+                      <a:solidFill>
+                        <a:schemeClr val="tx1"/>
+                      </a:solidFill>
+                      <a:prstDash val="solid"/>
+                      <a:round/>
+                      <a:headEnd type="none" w="med" len="med"/>
+                      <a:tailEnd type="none" w="med" len="med"/>
+                    </a:lnB>
+                    <a:solidFill>
+                      <a:schemeClr val="bg1"/>
+                    </a:solidFill>
+                  </a:tcPr>
+                </a:tc>
+                <a:tc hMerge="1">
+                  <a:txBody>
+                    <a:bodyPr/>
+                    <a:lstStyle/>
+                    <a:p>
+                      <a:endParaRPr lang="zh-TW" altLang="en-US"/>
+                    </a:p>
+                  </a:txBody>
+                  <a:tcPr/>
+                </a:tc>
+              </a:tr>
+            </a:tbl>
+          </a:graphicData>
+        </a:graphic>
+      </p:graphicFrame>
       <p:sp>
         <p:nvSpPr>
           <p:cNvPr id="19" name="內容版面配置區 2"/>
@@ -9379,8 +9394,8 @@
         </p:nvSpPr>
         <p:spPr>
           <a:xfrm>
-            <a:off x="4471807" y="1947437"/>
-            <a:ext cx="4575048" cy="1865569"/>
+            <a:off x="117680" y="4482609"/>
+            <a:ext cx="4244667" cy="1308591"/>
           </a:xfrm>
           <a:prstGeom prst="rect">
             <a:avLst/>
@@ -9391,7 +9406,7 @@
         </p:spPr>
         <p:txBody>
           <a:bodyPr vert="horz" lIns="91440" tIns="45720" rIns="91440" bIns="45720" rtlCol="0">
-            <a:normAutofit lnSpcReduction="10000"/>
+            <a:normAutofit/>
           </a:bodyPr>
           <a:lstStyle>
             <a:lvl1pPr marL="228600" indent="-228600" algn="l" defTabSz="914400" rtl="0" eaLnBrk="1" latinLnBrk="0" hangingPunct="1">
@@ -9562,69 +9577,356 @@
               <a:buNone/>
             </a:pPr>
             <a:r>
-              <a:rPr lang="zh-TW" altLang="en-US" sz="2400" b="1" dirty="0" smtClean="0">
+              <a:rPr lang="zh-TW" altLang="en-US" sz="2000" b="1" dirty="0" smtClean="0">
                 <a:latin typeface="微軟正黑體" panose="020B0604030504040204" pitchFamily="34" charset="-120"/>
                 <a:ea typeface="微軟正黑體" panose="020B0604030504040204" pitchFamily="34" charset="-120"/>
               </a:rPr>
               <a:t>我揪的團</a:t>
             </a:r>
-            <a:endParaRPr lang="en-US" altLang="zh-TW" sz="2400" b="1" dirty="0" smtClean="0">
+            <a:endParaRPr lang="en-US" altLang="zh-TW" sz="2000" b="1" dirty="0" smtClean="0">
               <a:latin typeface="微軟正黑體" panose="020B0604030504040204" pitchFamily="34" charset="-120"/>
               <a:ea typeface="微軟正黑體" panose="020B0604030504040204" pitchFamily="34" charset="-120"/>
             </a:endParaRPr>
           </a:p>
           <a:p>
             <a:r>
-              <a:rPr lang="zh-TW" altLang="en-US" sz="2400" dirty="0" smtClean="0">
+              <a:rPr lang="zh-TW" altLang="en-US" sz="2000" dirty="0" smtClean="0">
                 <a:latin typeface="微軟正黑體" panose="020B0604030504040204" pitchFamily="34" charset="-120"/>
                 <a:ea typeface="微軟正黑體" panose="020B0604030504040204" pitchFamily="34" charset="-120"/>
               </a:rPr>
               <a:t>自動記錄已發起的活動，方便管理</a:t>
             </a:r>
-            <a:endParaRPr lang="en-US" altLang="zh-TW" sz="2400" dirty="0" smtClean="0">
+            <a:endParaRPr lang="en-US" altLang="zh-TW" sz="2000" dirty="0" smtClean="0">
               <a:latin typeface="微軟正黑體" panose="020B0604030504040204" pitchFamily="34" charset="-120"/>
               <a:ea typeface="微軟正黑體" panose="020B0604030504040204" pitchFamily="34" charset="-120"/>
             </a:endParaRPr>
           </a:p>
           <a:p>
             <a:r>
-              <a:rPr lang="zh-TW" altLang="en-US" sz="2400" dirty="0" smtClean="0">
+              <a:rPr lang="zh-TW" altLang="en-US" sz="2000" dirty="0" smtClean="0">
                 <a:latin typeface="微軟正黑體" panose="020B0604030504040204" pitchFamily="34" charset="-120"/>
                 <a:ea typeface="微軟正黑體" panose="020B0604030504040204" pitchFamily="34" charset="-120"/>
               </a:rPr>
-              <a:t>可自行編輯、修改發起活動之內容</a:t>
-            </a:r>
-            <a:endParaRPr lang="en-US" altLang="zh-TW" sz="2400" dirty="0" smtClean="0">
+              <a:t>可自行編輯、修改發起活動之</a:t>
+            </a:r>
+            <a:r>
+              <a:rPr lang="zh-TW" altLang="en-US" sz="2000" dirty="0" smtClean="0">
+                <a:latin typeface="微軟正黑體" panose="020B0604030504040204" pitchFamily="34" charset="-120"/>
+                <a:ea typeface="微軟正黑體" panose="020B0604030504040204" pitchFamily="34" charset="-120"/>
+              </a:rPr>
+              <a:t>內容</a:t>
+            </a:r>
+            <a:endParaRPr lang="en-US" altLang="zh-TW" sz="2000" dirty="0" smtClean="0">
               <a:latin typeface="微軟正黑體" panose="020B0604030504040204" pitchFamily="34" charset="-120"/>
               <a:ea typeface="微軟正黑體" panose="020B0604030504040204" pitchFamily="34" charset="-120"/>
             </a:endParaRPr>
           </a:p>
           <a:p>
-            <a:endParaRPr lang="en-US" altLang="zh-TW" sz="2400" dirty="0" smtClean="0">
+            <a:endParaRPr lang="en-US" altLang="zh-TW" sz="2000" dirty="0" smtClean="0">
               <a:latin typeface="微軟正黑體" panose="020B0604030504040204" pitchFamily="34" charset="-120"/>
               <a:ea typeface="微軟正黑體" panose="020B0604030504040204" pitchFamily="34" charset="-120"/>
             </a:endParaRPr>
           </a:p>
           <a:p>
-            <a:endParaRPr lang="en-US" altLang="zh-TW" sz="2400" dirty="0" smtClean="0">
+            <a:endParaRPr lang="zh-TW" altLang="en-US" sz="2000" dirty="0">
               <a:latin typeface="微軟正黑體" panose="020B0604030504040204" pitchFamily="34" charset="-120"/>
               <a:ea typeface="微軟正黑體" panose="020B0604030504040204" pitchFamily="34" charset="-120"/>
             </a:endParaRPr>
           </a:p>
-          <a:p>
-            <a:endParaRPr lang="en-US" altLang="zh-TW" sz="2400" dirty="0" smtClean="0">
-              <a:latin typeface="微軟正黑體" panose="020B0604030504040204" pitchFamily="34" charset="-120"/>
-              <a:ea typeface="微軟正黑體" panose="020B0604030504040204" pitchFamily="34" charset="-120"/>
-            </a:endParaRPr>
-          </a:p>
-          <a:p>
-            <a:endParaRPr lang="zh-TW" altLang="en-US" sz="2400" dirty="0">
-              <a:latin typeface="微軟正黑體" panose="020B0604030504040204" pitchFamily="34" charset="-120"/>
-              <a:ea typeface="微軟正黑體" panose="020B0604030504040204" pitchFamily="34" charset="-120"/>
-            </a:endParaRPr>
-          </a:p>
         </p:txBody>
       </p:sp>
+      <p:grpSp>
+        <p:nvGrpSpPr>
+          <p:cNvPr id="2" name="群組 1"/>
+          <p:cNvGrpSpPr/>
+          <p:nvPr/>
+        </p:nvGrpSpPr>
+        <p:grpSpPr>
+          <a:xfrm>
+            <a:off x="4212095" y="436369"/>
+            <a:ext cx="4903302" cy="6053331"/>
+            <a:chOff x="4212095" y="436369"/>
+            <a:chExt cx="4903302" cy="6053331"/>
+          </a:xfrm>
+        </p:grpSpPr>
+        <p:sp>
+          <p:nvSpPr>
+            <p:cNvPr id="20" name="向右箭號 19"/>
+            <p:cNvSpPr/>
+            <p:nvPr/>
+          </p:nvSpPr>
+          <p:spPr>
+            <a:xfrm>
+              <a:off x="4212095" y="2336286"/>
+              <a:ext cx="336331" cy="409903"/>
+            </a:xfrm>
+            <a:prstGeom prst="rightArrow">
+              <a:avLst/>
+            </a:prstGeom>
+            <a:solidFill>
+              <a:schemeClr val="tx1"/>
+            </a:solidFill>
+            <a:ln>
+              <a:noFill/>
+            </a:ln>
+          </p:spPr>
+          <p:style>
+            <a:lnRef idx="2">
+              <a:schemeClr val="accent1">
+                <a:shade val="50000"/>
+              </a:schemeClr>
+            </a:lnRef>
+            <a:fillRef idx="1">
+              <a:schemeClr val="accent1"/>
+            </a:fillRef>
+            <a:effectRef idx="0">
+              <a:schemeClr val="accent1"/>
+            </a:effectRef>
+            <a:fontRef idx="minor">
+              <a:schemeClr val="lt1"/>
+            </a:fontRef>
+          </p:style>
+          <p:txBody>
+            <a:bodyPr rtlCol="0" anchor="ctr"/>
+            <a:lstStyle/>
+            <a:p>
+              <a:pPr algn="ctr"/>
+              <a:endParaRPr lang="zh-TW" altLang="en-US"/>
+            </a:p>
+          </p:txBody>
+        </p:sp>
+        <p:pic>
+          <p:nvPicPr>
+            <p:cNvPr id="11" name="圖片 10"/>
+            <p:cNvPicPr>
+              <a:picLocks noChangeAspect="1"/>
+            </p:cNvPicPr>
+            <p:nvPr/>
+          </p:nvPicPr>
+          <p:blipFill rotWithShape="1">
+            <a:blip r:embed="rId4"/>
+            <a:srcRect l="4445"/>
+            <a:stretch/>
+          </p:blipFill>
+          <p:spPr>
+            <a:xfrm>
+              <a:off x="4419552" y="3889688"/>
+              <a:ext cx="4695845" cy="2600012"/>
+            </a:xfrm>
+            <a:prstGeom prst="rect">
+              <a:avLst/>
+            </a:prstGeom>
+          </p:spPr>
+        </p:pic>
+        <p:sp>
+          <p:nvSpPr>
+            <p:cNvPr id="5" name="圓角化同側角落矩形 4"/>
+            <p:cNvSpPr/>
+            <p:nvPr/>
+          </p:nvSpPr>
+          <p:spPr>
+            <a:xfrm>
+              <a:off x="4485835" y="436369"/>
+              <a:ext cx="1008994" cy="305184"/>
+            </a:xfrm>
+            <a:prstGeom prst="round2SameRect">
+              <a:avLst/>
+            </a:prstGeom>
+            <a:solidFill>
+              <a:srgbClr val="A5A5A5"/>
+            </a:solidFill>
+            <a:ln>
+              <a:noFill/>
+            </a:ln>
+          </p:spPr>
+          <p:style>
+            <a:lnRef idx="2">
+              <a:schemeClr val="accent6">
+                <a:shade val="50000"/>
+              </a:schemeClr>
+            </a:lnRef>
+            <a:fillRef idx="1">
+              <a:schemeClr val="accent6"/>
+            </a:fillRef>
+            <a:effectRef idx="0">
+              <a:schemeClr val="accent6"/>
+            </a:effectRef>
+            <a:fontRef idx="minor">
+              <a:schemeClr val="lt1"/>
+            </a:fontRef>
+          </p:style>
+          <p:txBody>
+            <a:bodyPr rtlCol="0" anchor="ctr"/>
+            <a:lstStyle/>
+            <a:p>
+              <a:pPr algn="ctr"/>
+              <a:r>
+                <a:rPr lang="zh-TW" altLang="en-US" sz="1200" dirty="0" smtClean="0"/>
+                <a:t>看看逛</a:t>
+              </a:r>
+              <a:r>
+                <a:rPr lang="zh-TW" altLang="en-US" sz="1200" dirty="0"/>
+                <a:t>逛</a:t>
+              </a:r>
+            </a:p>
+          </p:txBody>
+        </p:sp>
+        <p:sp>
+          <p:nvSpPr>
+            <p:cNvPr id="6" name="圓角化同側角落矩形 5"/>
+            <p:cNvSpPr/>
+            <p:nvPr/>
+          </p:nvSpPr>
+          <p:spPr>
+            <a:xfrm>
+              <a:off x="5669844" y="436370"/>
+              <a:ext cx="1008994" cy="305184"/>
+            </a:xfrm>
+            <a:prstGeom prst="round2SameRect">
+              <a:avLst/>
+            </a:prstGeom>
+            <a:solidFill>
+              <a:srgbClr val="A5A5A5"/>
+            </a:solidFill>
+            <a:ln>
+              <a:noFill/>
+            </a:ln>
+          </p:spPr>
+          <p:style>
+            <a:lnRef idx="2">
+              <a:schemeClr val="accent3">
+                <a:shade val="50000"/>
+              </a:schemeClr>
+            </a:lnRef>
+            <a:fillRef idx="1">
+              <a:schemeClr val="accent3"/>
+            </a:fillRef>
+            <a:effectRef idx="0">
+              <a:schemeClr val="accent3"/>
+            </a:effectRef>
+            <a:fontRef idx="minor">
+              <a:schemeClr val="lt1"/>
+            </a:fontRef>
+          </p:style>
+          <p:txBody>
+            <a:bodyPr rtlCol="0" anchor="ctr"/>
+            <a:lstStyle/>
+            <a:p>
+              <a:pPr algn="ctr"/>
+              <a:r>
+                <a:rPr lang="zh-TW" altLang="en-US" sz="1200" dirty="0" smtClean="0"/>
+                <a:t>參加的團</a:t>
+              </a:r>
+              <a:endParaRPr lang="zh-TW" altLang="en-US" sz="1200" dirty="0"/>
+            </a:p>
+          </p:txBody>
+        </p:sp>
+        <p:sp>
+          <p:nvSpPr>
+            <p:cNvPr id="7" name="圓角化同側角落矩形 6"/>
+            <p:cNvSpPr/>
+            <p:nvPr/>
+          </p:nvSpPr>
+          <p:spPr>
+            <a:xfrm>
+              <a:off x="6853853" y="436643"/>
+              <a:ext cx="1008994" cy="305184"/>
+            </a:xfrm>
+            <a:prstGeom prst="round2SameRect">
+              <a:avLst/>
+            </a:prstGeom>
+            <a:solidFill>
+              <a:srgbClr val="70AD47"/>
+            </a:solidFill>
+            <a:ln>
+              <a:noFill/>
+            </a:ln>
+          </p:spPr>
+          <p:style>
+            <a:lnRef idx="2">
+              <a:schemeClr val="accent3">
+                <a:shade val="50000"/>
+              </a:schemeClr>
+            </a:lnRef>
+            <a:fillRef idx="1">
+              <a:schemeClr val="accent3"/>
+            </a:fillRef>
+            <a:effectRef idx="0">
+              <a:schemeClr val="accent3"/>
+            </a:effectRef>
+            <a:fontRef idx="minor">
+              <a:schemeClr val="lt1"/>
+            </a:fontRef>
+          </p:style>
+          <p:txBody>
+            <a:bodyPr rtlCol="0" anchor="ctr"/>
+            <a:lstStyle/>
+            <a:p>
+              <a:pPr algn="ctr"/>
+              <a:r>
+                <a:rPr lang="zh-TW" altLang="en-US" sz="1200" dirty="0" smtClean="0"/>
+                <a:t>我揪的團</a:t>
+              </a:r>
+              <a:endParaRPr lang="zh-TW" altLang="en-US" sz="1200" dirty="0"/>
+            </a:p>
+          </p:txBody>
+        </p:sp>
+        <p:sp>
+          <p:nvSpPr>
+            <p:cNvPr id="9" name="圓角化同側角落矩形 8"/>
+            <p:cNvSpPr/>
+            <p:nvPr/>
+          </p:nvSpPr>
+          <p:spPr>
+            <a:xfrm>
+              <a:off x="8037861" y="436613"/>
+              <a:ext cx="1008994" cy="305184"/>
+            </a:xfrm>
+            <a:prstGeom prst="round2SameRect">
+              <a:avLst/>
+            </a:prstGeom>
+            <a:ln>
+              <a:noFill/>
+            </a:ln>
+          </p:spPr>
+          <p:style>
+            <a:lnRef idx="2">
+              <a:schemeClr val="accent3">
+                <a:shade val="50000"/>
+              </a:schemeClr>
+            </a:lnRef>
+            <a:fillRef idx="1">
+              <a:schemeClr val="accent3"/>
+            </a:fillRef>
+            <a:effectRef idx="0">
+              <a:schemeClr val="accent3"/>
+            </a:effectRef>
+            <a:fontRef idx="minor">
+              <a:schemeClr val="lt1"/>
+            </a:fontRef>
+          </p:style>
+          <p:txBody>
+            <a:bodyPr rtlCol="0" anchor="ctr"/>
+            <a:lstStyle/>
+            <a:p>
+              <a:pPr algn="ctr"/>
+              <a:r>
+                <a:rPr lang="zh-TW" altLang="en-US" sz="1200" dirty="0" smtClean="0"/>
+                <a:t>新</a:t>
+              </a:r>
+              <a:r>
+                <a:rPr lang="zh-TW" altLang="en-US" sz="1200" dirty="0"/>
+                <a:t>增</a:t>
+              </a:r>
+              <a:r>
+                <a:rPr lang="zh-TW" altLang="en-US" sz="1200" dirty="0" smtClean="0"/>
+                <a:t>揪團</a:t>
+              </a:r>
+              <a:endParaRPr lang="zh-TW" altLang="en-US" sz="1200" dirty="0"/>
+            </a:p>
+          </p:txBody>
+        </p:sp>
+      </p:grpSp>
     </p:spTree>
     <p:extLst>
       <p:ext uri="{BB962C8B-B14F-4D97-AF65-F5344CB8AC3E}">
@@ -9635,6 +9937,162 @@
   <p:clrMapOvr>
     <a:masterClrMapping/>
   </p:clrMapOvr>
+  <p:timing>
+    <p:tnLst>
+      <p:par>
+        <p:cTn id="1" dur="indefinite" restart="never" nodeType="tmRoot">
+          <p:childTnLst>
+            <p:seq concurrent="1" nextAc="seek">
+              <p:cTn id="2" dur="indefinite" nodeType="mainSeq">
+                <p:childTnLst>
+                  <p:par>
+                    <p:cTn id="3" fill="hold">
+                      <p:stCondLst>
+                        <p:cond delay="indefinite"/>
+                      </p:stCondLst>
+                      <p:childTnLst>
+                        <p:par>
+                          <p:cTn id="4" fill="hold">
+                            <p:stCondLst>
+                              <p:cond delay="0"/>
+                            </p:stCondLst>
+                            <p:childTnLst>
+                              <p:par>
+                                <p:cTn id="5" presetID="22" presetClass="entr" presetSubtype="8" fill="hold" nodeType="clickEffect">
+                                  <p:stCondLst>
+                                    <p:cond delay="0"/>
+                                  </p:stCondLst>
+                                  <p:childTnLst>
+                                    <p:set>
+                                      <p:cBhvr>
+                                        <p:cTn id="6" dur="1" fill="hold">
+                                          <p:stCondLst>
+                                            <p:cond delay="0"/>
+                                          </p:stCondLst>
+                                        </p:cTn>
+                                        <p:tgtEl>
+                                          <p:spTgt spid="2"/>
+                                        </p:tgtEl>
+                                        <p:attrNameLst>
+                                          <p:attrName>style.visibility</p:attrName>
+                                        </p:attrNameLst>
+                                      </p:cBhvr>
+                                      <p:to>
+                                        <p:strVal val="visible"/>
+                                      </p:to>
+                                    </p:set>
+                                    <p:animEffect transition="in" filter="wipe(left)">
+                                      <p:cBhvr>
+                                        <p:cTn id="7" dur="500"/>
+                                        <p:tgtEl>
+                                          <p:spTgt spid="2"/>
+                                        </p:tgtEl>
+                                      </p:cBhvr>
+                                    </p:animEffect>
+                                  </p:childTnLst>
+                                </p:cTn>
+                              </p:par>
+                              <p:par>
+                                <p:cTn id="8" presetID="22" presetClass="entr" presetSubtype="8" fill="hold" nodeType="withEffect">
+                                  <p:stCondLst>
+                                    <p:cond delay="0"/>
+                                  </p:stCondLst>
+                                  <p:childTnLst>
+                                    <p:set>
+                                      <p:cBhvr>
+                                        <p:cTn id="9" dur="1" fill="hold">
+                                          <p:stCondLst>
+                                            <p:cond delay="0"/>
+                                          </p:stCondLst>
+                                        </p:cTn>
+                                        <p:tgtEl>
+                                          <p:spTgt spid="10"/>
+                                        </p:tgtEl>
+                                        <p:attrNameLst>
+                                          <p:attrName>style.visibility</p:attrName>
+                                        </p:attrNameLst>
+                                      </p:cBhvr>
+                                      <p:to>
+                                        <p:strVal val="visible"/>
+                                      </p:to>
+                                    </p:set>
+                                    <p:animEffect transition="in" filter="wipe(left)">
+                                      <p:cBhvr>
+                                        <p:cTn id="10" dur="500"/>
+                                        <p:tgtEl>
+                                          <p:spTgt spid="10"/>
+                                        </p:tgtEl>
+                                      </p:cBhvr>
+                                    </p:animEffect>
+                                  </p:childTnLst>
+                                </p:cTn>
+                              </p:par>
+                              <p:par>
+                                <p:cTn id="11" presetID="10" presetClass="entr" presetSubtype="0" fill="hold" grpId="0" nodeType="withEffect">
+                                  <p:stCondLst>
+                                    <p:cond delay="0"/>
+                                  </p:stCondLst>
+                                  <p:childTnLst>
+                                    <p:set>
+                                      <p:cBhvr>
+                                        <p:cTn id="12" dur="1" fill="hold">
+                                          <p:stCondLst>
+                                            <p:cond delay="0"/>
+                                          </p:stCondLst>
+                                        </p:cTn>
+                                        <p:tgtEl>
+                                          <p:spTgt spid="19"/>
+                                        </p:tgtEl>
+                                        <p:attrNameLst>
+                                          <p:attrName>style.visibility</p:attrName>
+                                        </p:attrNameLst>
+                                      </p:cBhvr>
+                                      <p:to>
+                                        <p:strVal val="visible"/>
+                                      </p:to>
+                                    </p:set>
+                                    <p:animEffect transition="in" filter="fade">
+                                      <p:cBhvr>
+                                        <p:cTn id="13" dur="500"/>
+                                        <p:tgtEl>
+                                          <p:spTgt spid="19"/>
+                                        </p:tgtEl>
+                                      </p:cBhvr>
+                                    </p:animEffect>
+                                  </p:childTnLst>
+                                </p:cTn>
+                              </p:par>
+                            </p:childTnLst>
+                          </p:cTn>
+                        </p:par>
+                      </p:childTnLst>
+                    </p:cTn>
+                  </p:par>
+                </p:childTnLst>
+              </p:cTn>
+              <p:prevCondLst>
+                <p:cond evt="onPrev" delay="0">
+                  <p:tgtEl>
+                    <p:sldTgt/>
+                  </p:tgtEl>
+                </p:cond>
+              </p:prevCondLst>
+              <p:nextCondLst>
+                <p:cond evt="onNext" delay="0">
+                  <p:tgtEl>
+                    <p:sldTgt/>
+                  </p:tgtEl>
+                </p:cond>
+              </p:nextCondLst>
+            </p:seq>
+          </p:childTnLst>
+        </p:cTn>
+      </p:par>
+    </p:tnLst>
+    <p:bldLst>
+      <p:bldP spid="19" grpId="0" animBg="1"/>
+    </p:bldLst>
+  </p:timing>
 </p:sld>
 </file>
 
@@ -10629,7 +11087,7 @@
           <p:nvPr>
             <p:extLst>
               <p:ext uri="{D42A27DB-BD31-4B8C-83A1-F6EECF244321}">
-                <p14:modId xmlns:p14="http://schemas.microsoft.com/office/powerpoint/2010/main" val="1538708549"/>
+                <p14:modId xmlns:p14="http://schemas.microsoft.com/office/powerpoint/2010/main" val="3440647259"/>
               </p:ext>
             </p:extLst>
           </p:nvPr>
@@ -11113,6 +11571,48 @@
           </a:p>
         </p:txBody>
       </p:sp>
+      <p:sp>
+        <p:nvSpPr>
+          <p:cNvPr id="2" name="文字方塊 1"/>
+          <p:cNvSpPr txBox="1"/>
+          <p:nvPr/>
+        </p:nvSpPr>
+        <p:spPr>
+          <a:xfrm>
+            <a:off x="4486212" y="3490152"/>
+            <a:ext cx="543739" cy="307777"/>
+          </a:xfrm>
+          <a:prstGeom prst="rect">
+            <a:avLst/>
+          </a:prstGeom>
+          <a:solidFill>
+            <a:schemeClr val="bg2"/>
+          </a:solidFill>
+          <a:ln>
+            <a:noFill/>
+          </a:ln>
+        </p:spPr>
+        <p:txBody>
+          <a:bodyPr wrap="none" rtlCol="0">
+            <a:spAutoFit/>
+          </a:bodyPr>
+          <a:lstStyle/>
+          <a:p>
+            <a:pPr algn="ctr"/>
+            <a:r>
+              <a:rPr lang="zh-TW" altLang="en-US" sz="1400" b="1" dirty="0" smtClean="0">
+                <a:latin typeface="微軟正黑體" panose="020B0604030504040204" pitchFamily="34" charset="-120"/>
+                <a:ea typeface="微軟正黑體" panose="020B0604030504040204" pitchFamily="34" charset="-120"/>
+              </a:rPr>
+              <a:t>發佈</a:t>
+            </a:r>
+            <a:endParaRPr lang="zh-TW" altLang="en-US" sz="1400" b="1" dirty="0">
+              <a:latin typeface="微軟正黑體" panose="020B0604030504040204" pitchFamily="34" charset="-120"/>
+              <a:ea typeface="微軟正黑體" panose="020B0604030504040204" pitchFamily="34" charset="-120"/>
+            </a:endParaRPr>
+          </a:p>
+        </p:txBody>
+      </p:sp>
     </p:spTree>
     <p:extLst>
       <p:ext uri="{BB962C8B-B14F-4D97-AF65-F5344CB8AC3E}">
@@ -11123,6 +11623,89 @@
   <p:clrMapOvr>
     <a:masterClrMapping/>
   </p:clrMapOvr>
+  <p:timing>
+    <p:tnLst>
+      <p:par>
+        <p:cTn id="1" dur="indefinite" restart="never" nodeType="tmRoot">
+          <p:childTnLst>
+            <p:seq concurrent="1" nextAc="seek">
+              <p:cTn id="2" dur="indefinite" nodeType="mainSeq">
+                <p:childTnLst>
+                  <p:par>
+                    <p:cTn id="3" fill="hold">
+                      <p:stCondLst>
+                        <p:cond delay="indefinite"/>
+                      </p:stCondLst>
+                      <p:childTnLst>
+                        <p:par>
+                          <p:cTn id="4" fill="hold">
+                            <p:stCondLst>
+                              <p:cond delay="0"/>
+                            </p:stCondLst>
+                            <p:childTnLst>
+                              <p:par>
+                                <p:cTn id="5" presetID="10" presetClass="entr" presetSubtype="0" fill="hold" nodeType="clickEffect">
+                                  <p:stCondLst>
+                                    <p:cond delay="0"/>
+                                  </p:stCondLst>
+                                  <p:childTnLst>
+                                    <p:set>
+                                      <p:cBhvr>
+                                        <p:cTn id="6" dur="1" fill="hold">
+                                          <p:stCondLst>
+                                            <p:cond delay="0"/>
+                                          </p:stCondLst>
+                                        </p:cTn>
+                                        <p:tgtEl>
+                                          <p:spTgt spid="24"/>
+                                        </p:tgtEl>
+                                        <p:attrNameLst>
+                                          <p:attrName>style.visibility</p:attrName>
+                                        </p:attrNameLst>
+                                      </p:cBhvr>
+                                      <p:to>
+                                        <p:strVal val="visible"/>
+                                      </p:to>
+                                    </p:set>
+                                    <p:animEffect transition="in" filter="fade">
+                                      <p:cBhvr>
+                                        <p:cTn id="7" dur="500"/>
+                                        <p:tgtEl>
+                                          <p:spTgt spid="24"/>
+                                        </p:tgtEl>
+                                      </p:cBhvr>
+                                    </p:animEffect>
+                                  </p:childTnLst>
+                                </p:cTn>
+                              </p:par>
+                            </p:childTnLst>
+                          </p:cTn>
+                        </p:par>
+                      </p:childTnLst>
+                    </p:cTn>
+                  </p:par>
+                </p:childTnLst>
+              </p:cTn>
+              <p:prevCondLst>
+                <p:cond evt="onPrev" delay="0">
+                  <p:tgtEl>
+                    <p:sldTgt/>
+                  </p:tgtEl>
+                </p:cond>
+              </p:prevCondLst>
+              <p:nextCondLst>
+                <p:cond evt="onNext" delay="0">
+                  <p:tgtEl>
+                    <p:sldTgt/>
+                  </p:tgtEl>
+                </p:cond>
+              </p:nextCondLst>
+            </p:seq>
+          </p:childTnLst>
+        </p:cTn>
+      </p:par>
+    </p:tnLst>
+  </p:timing>
 </p:sld>
 </file>
 
